--- a/Final Presentation.pptx
+++ b/Final Presentation.pptx
@@ -4,6 +4,9 @@
   <p:sldMasterIdLst>
     <p:sldMasterId id="2147483648" r:id="rId1"/>
   </p:sldMasterIdLst>
+  <p:notesMasterIdLst>
+    <p:notesMasterId r:id="rId13"/>
+  </p:notesMasterIdLst>
   <p:sldIdLst>
     <p:sldId id="257" r:id="rId2"/>
     <p:sldId id="260" r:id="rId3"/>
@@ -15,6 +18,7 @@
     <p:sldId id="265" r:id="rId9"/>
     <p:sldId id="264" r:id="rId10"/>
     <p:sldId id="259" r:id="rId11"/>
+    <p:sldId id="267" r:id="rId12"/>
   </p:sldIdLst>
   <p:sldSz cx="12192000" cy="6858000"/>
   <p:notesSz cx="6858000" cy="9144000"/>
@@ -113,7 +117,530 @@
       </a:defRPr>
     </a:lvl9pPr>
   </p:defaultTextStyle>
+  <p:extLst>
+    <p:ext uri="{EFAFB233-063F-42B5-8137-9DF3F51BA10A}">
+      <p15:sldGuideLst xmlns:p15="http://schemas.microsoft.com/office/powerpoint/2012/main"/>
+    </p:ext>
+  </p:extLst>
 </p:presentation>
+</file>
+
+<file path=ppt/notesMasters/notesMaster1.xml><?xml version="1.0" encoding="utf-8"?>
+<p:notesMaster xmlns:a="http://schemas.openxmlformats.org/drawingml/2006/main" xmlns:r="http://schemas.openxmlformats.org/officeDocument/2006/relationships" xmlns:p="http://schemas.openxmlformats.org/presentationml/2006/main">
+  <p:cSld>
+    <p:bg>
+      <p:bgRef idx="1001">
+        <a:schemeClr val="bg1"/>
+      </p:bgRef>
+    </p:bg>
+    <p:spTree>
+      <p:nvGrpSpPr>
+        <p:cNvPr id="1" name=""/>
+        <p:cNvGrpSpPr/>
+        <p:nvPr/>
+      </p:nvGrpSpPr>
+      <p:grpSpPr>
+        <a:xfrm>
+          <a:off x="0" y="0"/>
+          <a:ext cx="0" cy="0"/>
+          <a:chOff x="0" y="0"/>
+          <a:chExt cx="0" cy="0"/>
+        </a:xfrm>
+      </p:grpSpPr>
+      <p:sp>
+        <p:nvSpPr>
+          <p:cNvPr id="2" name="頁首版面配置區 1"/>
+          <p:cNvSpPr>
+            <a:spLocks noGrp="1"/>
+          </p:cNvSpPr>
+          <p:nvPr>
+            <p:ph type="hdr" sz="quarter"/>
+          </p:nvPr>
+        </p:nvSpPr>
+        <p:spPr>
+          <a:xfrm>
+            <a:off x="0" y="0"/>
+            <a:ext cx="2971800" cy="458788"/>
+          </a:xfrm>
+          <a:prstGeom prst="rect">
+            <a:avLst/>
+          </a:prstGeom>
+        </p:spPr>
+        <p:txBody>
+          <a:bodyPr vert="horz" lIns="91440" tIns="45720" rIns="91440" bIns="45720" rtlCol="0"/>
+          <a:lstStyle>
+            <a:lvl1pPr algn="l">
+              <a:defRPr sz="1200"/>
+            </a:lvl1pPr>
+          </a:lstStyle>
+          <a:p>
+            <a:endParaRPr lang="zh-TW" altLang="en-US"/>
+          </a:p>
+        </p:txBody>
+      </p:sp>
+      <p:sp>
+        <p:nvSpPr>
+          <p:cNvPr id="3" name="日期版面配置區 2"/>
+          <p:cNvSpPr>
+            <a:spLocks noGrp="1"/>
+          </p:cNvSpPr>
+          <p:nvPr>
+            <p:ph type="dt" idx="1"/>
+          </p:nvPr>
+        </p:nvSpPr>
+        <p:spPr>
+          <a:xfrm>
+            <a:off x="3884613" y="0"/>
+            <a:ext cx="2971800" cy="458788"/>
+          </a:xfrm>
+          <a:prstGeom prst="rect">
+            <a:avLst/>
+          </a:prstGeom>
+        </p:spPr>
+        <p:txBody>
+          <a:bodyPr vert="horz" lIns="91440" tIns="45720" rIns="91440" bIns="45720" rtlCol="0"/>
+          <a:lstStyle>
+            <a:lvl1pPr algn="r">
+              <a:defRPr sz="1200"/>
+            </a:lvl1pPr>
+          </a:lstStyle>
+          <a:p>
+            <a:fld id="{CECFC2EF-01B9-4F1A-8EED-7F11590D763F}" type="datetimeFigureOut">
+              <a:rPr lang="zh-TW" altLang="en-US" smtClean="0"/>
+              <a:t>2018/1/18</a:t>
+            </a:fld>
+            <a:endParaRPr lang="zh-TW" altLang="en-US"/>
+          </a:p>
+        </p:txBody>
+      </p:sp>
+      <p:sp>
+        <p:nvSpPr>
+          <p:cNvPr id="4" name="投影片圖像版面配置區 3"/>
+          <p:cNvSpPr>
+            <a:spLocks noGrp="1" noRot="1" noChangeAspect="1"/>
+          </p:cNvSpPr>
+          <p:nvPr>
+            <p:ph type="sldImg" idx="2"/>
+          </p:nvPr>
+        </p:nvSpPr>
+        <p:spPr>
+          <a:xfrm>
+            <a:off x="685800" y="1143000"/>
+            <a:ext cx="5486400" cy="3086100"/>
+          </a:xfrm>
+          <a:prstGeom prst="rect">
+            <a:avLst/>
+          </a:prstGeom>
+          <a:noFill/>
+          <a:ln w="12700">
+            <a:solidFill>
+              <a:prstClr val="black"/>
+            </a:solidFill>
+          </a:ln>
+        </p:spPr>
+        <p:txBody>
+          <a:bodyPr vert="horz" lIns="91440" tIns="45720" rIns="91440" bIns="45720" rtlCol="0" anchor="ctr"/>
+          <a:lstStyle/>
+          <a:p>
+            <a:endParaRPr lang="zh-TW" altLang="en-US"/>
+          </a:p>
+        </p:txBody>
+      </p:sp>
+      <p:sp>
+        <p:nvSpPr>
+          <p:cNvPr id="5" name="備忘稿版面配置區 4"/>
+          <p:cNvSpPr>
+            <a:spLocks noGrp="1"/>
+          </p:cNvSpPr>
+          <p:nvPr>
+            <p:ph type="body" sz="quarter" idx="3"/>
+          </p:nvPr>
+        </p:nvSpPr>
+        <p:spPr>
+          <a:xfrm>
+            <a:off x="685800" y="4400550"/>
+            <a:ext cx="5486400" cy="3600450"/>
+          </a:xfrm>
+          <a:prstGeom prst="rect">
+            <a:avLst/>
+          </a:prstGeom>
+        </p:spPr>
+        <p:txBody>
+          <a:bodyPr vert="horz" lIns="91440" tIns="45720" rIns="91440" bIns="45720" rtlCol="0"/>
+          <a:lstStyle/>
+          <a:p>
+            <a:pPr lvl="0"/>
+            <a:r>
+              <a:rPr lang="zh-TW" altLang="en-US" smtClean="0"/>
+              <a:t>編輯母片文字樣式</a:t>
+            </a:r>
+          </a:p>
+          <a:p>
+            <a:pPr lvl="1"/>
+            <a:r>
+              <a:rPr lang="zh-TW" altLang="en-US" smtClean="0"/>
+              <a:t>第二層</a:t>
+            </a:r>
+          </a:p>
+          <a:p>
+            <a:pPr lvl="2"/>
+            <a:r>
+              <a:rPr lang="zh-TW" altLang="en-US" smtClean="0"/>
+              <a:t>第三層</a:t>
+            </a:r>
+          </a:p>
+          <a:p>
+            <a:pPr lvl="3"/>
+            <a:r>
+              <a:rPr lang="zh-TW" altLang="en-US" smtClean="0"/>
+              <a:t>第四層</a:t>
+            </a:r>
+          </a:p>
+          <a:p>
+            <a:pPr lvl="4"/>
+            <a:r>
+              <a:rPr lang="zh-TW" altLang="en-US" smtClean="0"/>
+              <a:t>第五層</a:t>
+            </a:r>
+            <a:endParaRPr lang="zh-TW" altLang="en-US"/>
+          </a:p>
+        </p:txBody>
+      </p:sp>
+      <p:sp>
+        <p:nvSpPr>
+          <p:cNvPr id="6" name="頁尾版面配置區 5"/>
+          <p:cNvSpPr>
+            <a:spLocks noGrp="1"/>
+          </p:cNvSpPr>
+          <p:nvPr>
+            <p:ph type="ftr" sz="quarter" idx="4"/>
+          </p:nvPr>
+        </p:nvSpPr>
+        <p:spPr>
+          <a:xfrm>
+            <a:off x="0" y="8685213"/>
+            <a:ext cx="2971800" cy="458787"/>
+          </a:xfrm>
+          <a:prstGeom prst="rect">
+            <a:avLst/>
+          </a:prstGeom>
+        </p:spPr>
+        <p:txBody>
+          <a:bodyPr vert="horz" lIns="91440" tIns="45720" rIns="91440" bIns="45720" rtlCol="0" anchor="b"/>
+          <a:lstStyle>
+            <a:lvl1pPr algn="l">
+              <a:defRPr sz="1200"/>
+            </a:lvl1pPr>
+          </a:lstStyle>
+          <a:p>
+            <a:endParaRPr lang="zh-TW" altLang="en-US"/>
+          </a:p>
+        </p:txBody>
+      </p:sp>
+      <p:sp>
+        <p:nvSpPr>
+          <p:cNvPr id="7" name="投影片編號版面配置區 6"/>
+          <p:cNvSpPr>
+            <a:spLocks noGrp="1"/>
+          </p:cNvSpPr>
+          <p:nvPr>
+            <p:ph type="sldNum" sz="quarter" idx="5"/>
+          </p:nvPr>
+        </p:nvSpPr>
+        <p:spPr>
+          <a:xfrm>
+            <a:off x="3884613" y="8685213"/>
+            <a:ext cx="2971800" cy="458787"/>
+          </a:xfrm>
+          <a:prstGeom prst="rect">
+            <a:avLst/>
+          </a:prstGeom>
+        </p:spPr>
+        <p:txBody>
+          <a:bodyPr vert="horz" lIns="91440" tIns="45720" rIns="91440" bIns="45720" rtlCol="0" anchor="b"/>
+          <a:lstStyle>
+            <a:lvl1pPr algn="r">
+              <a:defRPr sz="1200"/>
+            </a:lvl1pPr>
+          </a:lstStyle>
+          <a:p>
+            <a:fld id="{1815493B-69A7-4A46-A2CC-0F2060D374B3}" type="slidenum">
+              <a:rPr lang="zh-TW" altLang="en-US" smtClean="0"/>
+              <a:t>‹#›</a:t>
+            </a:fld>
+            <a:endParaRPr lang="zh-TW" altLang="en-US"/>
+          </a:p>
+        </p:txBody>
+      </p:sp>
+    </p:spTree>
+    <p:extLst>
+      <p:ext uri="{BB962C8B-B14F-4D97-AF65-F5344CB8AC3E}">
+        <p14:creationId xmlns:p14="http://schemas.microsoft.com/office/powerpoint/2010/main" val="2894331923"/>
+      </p:ext>
+    </p:extLst>
+  </p:cSld>
+  <p:clrMap bg1="lt1" tx1="dk1" bg2="lt2" tx2="dk2" accent1="accent1" accent2="accent2" accent3="accent3" accent4="accent4" accent5="accent5" accent6="accent6" hlink="hlink" folHlink="folHlink"/>
+  <p:notesStyle>
+    <a:lvl1pPr marL="0" algn="l" defTabSz="914400" rtl="0" eaLnBrk="1" latinLnBrk="0" hangingPunct="1">
+      <a:defRPr sz="1200" kern="1200">
+        <a:solidFill>
+          <a:schemeClr val="tx1"/>
+        </a:solidFill>
+        <a:latin typeface="+mn-lt"/>
+        <a:ea typeface="+mn-ea"/>
+        <a:cs typeface="+mn-cs"/>
+      </a:defRPr>
+    </a:lvl1pPr>
+    <a:lvl2pPr marL="457200" algn="l" defTabSz="914400" rtl="0" eaLnBrk="1" latinLnBrk="0" hangingPunct="1">
+      <a:defRPr sz="1200" kern="1200">
+        <a:solidFill>
+          <a:schemeClr val="tx1"/>
+        </a:solidFill>
+        <a:latin typeface="+mn-lt"/>
+        <a:ea typeface="+mn-ea"/>
+        <a:cs typeface="+mn-cs"/>
+      </a:defRPr>
+    </a:lvl2pPr>
+    <a:lvl3pPr marL="914400" algn="l" defTabSz="914400" rtl="0" eaLnBrk="1" latinLnBrk="0" hangingPunct="1">
+      <a:defRPr sz="1200" kern="1200">
+        <a:solidFill>
+          <a:schemeClr val="tx1"/>
+        </a:solidFill>
+        <a:latin typeface="+mn-lt"/>
+        <a:ea typeface="+mn-ea"/>
+        <a:cs typeface="+mn-cs"/>
+      </a:defRPr>
+    </a:lvl3pPr>
+    <a:lvl4pPr marL="1371600" algn="l" defTabSz="914400" rtl="0" eaLnBrk="1" latinLnBrk="0" hangingPunct="1">
+      <a:defRPr sz="1200" kern="1200">
+        <a:solidFill>
+          <a:schemeClr val="tx1"/>
+        </a:solidFill>
+        <a:latin typeface="+mn-lt"/>
+        <a:ea typeface="+mn-ea"/>
+        <a:cs typeface="+mn-cs"/>
+      </a:defRPr>
+    </a:lvl4pPr>
+    <a:lvl5pPr marL="1828800" algn="l" defTabSz="914400" rtl="0" eaLnBrk="1" latinLnBrk="0" hangingPunct="1">
+      <a:defRPr sz="1200" kern="1200">
+        <a:solidFill>
+          <a:schemeClr val="tx1"/>
+        </a:solidFill>
+        <a:latin typeface="+mn-lt"/>
+        <a:ea typeface="+mn-ea"/>
+        <a:cs typeface="+mn-cs"/>
+      </a:defRPr>
+    </a:lvl5pPr>
+    <a:lvl6pPr marL="2286000" algn="l" defTabSz="914400" rtl="0" eaLnBrk="1" latinLnBrk="0" hangingPunct="1">
+      <a:defRPr sz="1200" kern="1200">
+        <a:solidFill>
+          <a:schemeClr val="tx1"/>
+        </a:solidFill>
+        <a:latin typeface="+mn-lt"/>
+        <a:ea typeface="+mn-ea"/>
+        <a:cs typeface="+mn-cs"/>
+      </a:defRPr>
+    </a:lvl6pPr>
+    <a:lvl7pPr marL="2743200" algn="l" defTabSz="914400" rtl="0" eaLnBrk="1" latinLnBrk="0" hangingPunct="1">
+      <a:defRPr sz="1200" kern="1200">
+        <a:solidFill>
+          <a:schemeClr val="tx1"/>
+        </a:solidFill>
+        <a:latin typeface="+mn-lt"/>
+        <a:ea typeface="+mn-ea"/>
+        <a:cs typeface="+mn-cs"/>
+      </a:defRPr>
+    </a:lvl7pPr>
+    <a:lvl8pPr marL="3200400" algn="l" defTabSz="914400" rtl="0" eaLnBrk="1" latinLnBrk="0" hangingPunct="1">
+      <a:defRPr sz="1200" kern="1200">
+        <a:solidFill>
+          <a:schemeClr val="tx1"/>
+        </a:solidFill>
+        <a:latin typeface="+mn-lt"/>
+        <a:ea typeface="+mn-ea"/>
+        <a:cs typeface="+mn-cs"/>
+      </a:defRPr>
+    </a:lvl8pPr>
+    <a:lvl9pPr marL="3657600" algn="l" defTabSz="914400" rtl="0" eaLnBrk="1" latinLnBrk="0" hangingPunct="1">
+      <a:defRPr sz="1200" kern="1200">
+        <a:solidFill>
+          <a:schemeClr val="tx1"/>
+        </a:solidFill>
+        <a:latin typeface="+mn-lt"/>
+        <a:ea typeface="+mn-ea"/>
+        <a:cs typeface="+mn-cs"/>
+      </a:defRPr>
+    </a:lvl9pPr>
+  </p:notesStyle>
+</p:notesMaster>
+</file>
+
+<file path=ppt/notesSlides/notesSlide1.xml><?xml version="1.0" encoding="utf-8"?>
+<p:notes xmlns:a="http://schemas.openxmlformats.org/drawingml/2006/main" xmlns:r="http://schemas.openxmlformats.org/officeDocument/2006/relationships" xmlns:p="http://schemas.openxmlformats.org/presentationml/2006/main">
+  <p:cSld>
+    <p:spTree>
+      <p:nvGrpSpPr>
+        <p:cNvPr id="1" name=""/>
+        <p:cNvGrpSpPr/>
+        <p:nvPr/>
+      </p:nvGrpSpPr>
+      <p:grpSpPr>
+        <a:xfrm>
+          <a:off x="0" y="0"/>
+          <a:ext cx="0" cy="0"/>
+          <a:chOff x="0" y="0"/>
+          <a:chExt cx="0" cy="0"/>
+        </a:xfrm>
+      </p:grpSpPr>
+      <p:sp>
+        <p:nvSpPr>
+          <p:cNvPr id="2" name="投影片圖像版面配置區 1"/>
+          <p:cNvSpPr>
+            <a:spLocks noGrp="1" noRot="1" noChangeAspect="1"/>
+          </p:cNvSpPr>
+          <p:nvPr>
+            <p:ph type="sldImg"/>
+          </p:nvPr>
+        </p:nvSpPr>
+        <p:spPr/>
+      </p:sp>
+      <p:sp>
+        <p:nvSpPr>
+          <p:cNvPr id="3" name="備忘稿版面配置區 2"/>
+          <p:cNvSpPr>
+            <a:spLocks noGrp="1"/>
+          </p:cNvSpPr>
+          <p:nvPr>
+            <p:ph type="body" idx="1"/>
+          </p:nvPr>
+        </p:nvSpPr>
+        <p:spPr/>
+        <p:txBody>
+          <a:bodyPr/>
+          <a:lstStyle/>
+          <a:p>
+            <a:endParaRPr lang="zh-TW" altLang="en-US" dirty="0"/>
+          </a:p>
+        </p:txBody>
+      </p:sp>
+      <p:sp>
+        <p:nvSpPr>
+          <p:cNvPr id="4" name="投影片編號版面配置區 3"/>
+          <p:cNvSpPr>
+            <a:spLocks noGrp="1"/>
+          </p:cNvSpPr>
+          <p:nvPr>
+            <p:ph type="sldNum" sz="quarter" idx="10"/>
+          </p:nvPr>
+        </p:nvSpPr>
+        <p:spPr/>
+        <p:txBody>
+          <a:bodyPr/>
+          <a:lstStyle/>
+          <a:p>
+            <a:fld id="{1815493B-69A7-4A46-A2CC-0F2060D374B3}" type="slidenum">
+              <a:rPr lang="zh-TW" altLang="en-US" smtClean="0"/>
+              <a:t>4</a:t>
+            </a:fld>
+            <a:endParaRPr lang="zh-TW" altLang="en-US"/>
+          </a:p>
+        </p:txBody>
+      </p:sp>
+    </p:spTree>
+    <p:extLst>
+      <p:ext uri="{BB962C8B-B14F-4D97-AF65-F5344CB8AC3E}">
+        <p14:creationId xmlns:p14="http://schemas.microsoft.com/office/powerpoint/2010/main" val="1146125050"/>
+      </p:ext>
+    </p:extLst>
+  </p:cSld>
+  <p:clrMapOvr>
+    <a:masterClrMapping/>
+  </p:clrMapOvr>
+</p:notes>
+</file>
+
+<file path=ppt/notesSlides/notesSlide2.xml><?xml version="1.0" encoding="utf-8"?>
+<p:notes xmlns:a="http://schemas.openxmlformats.org/drawingml/2006/main" xmlns:r="http://schemas.openxmlformats.org/officeDocument/2006/relationships" xmlns:p="http://schemas.openxmlformats.org/presentationml/2006/main">
+  <p:cSld>
+    <p:spTree>
+      <p:nvGrpSpPr>
+        <p:cNvPr id="1" name=""/>
+        <p:cNvGrpSpPr/>
+        <p:nvPr/>
+      </p:nvGrpSpPr>
+      <p:grpSpPr>
+        <a:xfrm>
+          <a:off x="0" y="0"/>
+          <a:ext cx="0" cy="0"/>
+          <a:chOff x="0" y="0"/>
+          <a:chExt cx="0" cy="0"/>
+        </a:xfrm>
+      </p:grpSpPr>
+      <p:sp>
+        <p:nvSpPr>
+          <p:cNvPr id="2" name="投影片圖像版面配置區 1"/>
+          <p:cNvSpPr>
+            <a:spLocks noGrp="1" noRot="1" noChangeAspect="1"/>
+          </p:cNvSpPr>
+          <p:nvPr>
+            <p:ph type="sldImg"/>
+          </p:nvPr>
+        </p:nvSpPr>
+        <p:spPr/>
+      </p:sp>
+      <p:sp>
+        <p:nvSpPr>
+          <p:cNvPr id="3" name="備忘稿版面配置區 2"/>
+          <p:cNvSpPr>
+            <a:spLocks noGrp="1"/>
+          </p:cNvSpPr>
+          <p:nvPr>
+            <p:ph type="body" idx="1"/>
+          </p:nvPr>
+        </p:nvSpPr>
+        <p:spPr/>
+        <p:txBody>
+          <a:bodyPr/>
+          <a:lstStyle/>
+          <a:p>
+            <a:endParaRPr lang="zh-TW" altLang="en-US" dirty="0"/>
+          </a:p>
+        </p:txBody>
+      </p:sp>
+      <p:sp>
+        <p:nvSpPr>
+          <p:cNvPr id="4" name="投影片編號版面配置區 3"/>
+          <p:cNvSpPr>
+            <a:spLocks noGrp="1"/>
+          </p:cNvSpPr>
+          <p:nvPr>
+            <p:ph type="sldNum" sz="quarter" idx="10"/>
+          </p:nvPr>
+        </p:nvSpPr>
+        <p:spPr/>
+        <p:txBody>
+          <a:bodyPr/>
+          <a:lstStyle/>
+          <a:p>
+            <a:fld id="{1815493B-69A7-4A46-A2CC-0F2060D374B3}" type="slidenum">
+              <a:rPr lang="zh-TW" altLang="en-US" smtClean="0"/>
+              <a:t>6</a:t>
+            </a:fld>
+            <a:endParaRPr lang="zh-TW" altLang="en-US"/>
+          </a:p>
+        </p:txBody>
+      </p:sp>
+    </p:spTree>
+    <p:extLst>
+      <p:ext uri="{BB962C8B-B14F-4D97-AF65-F5344CB8AC3E}">
+        <p14:creationId xmlns:p14="http://schemas.microsoft.com/office/powerpoint/2010/main" val="3689330263"/>
+      </p:ext>
+    </p:extLst>
+  </p:cSld>
+  <p:clrMapOvr>
+    <a:masterClrMapping/>
+  </p:clrMapOvr>
+</p:notes>
 </file>
 
 <file path=ppt/slideLayouts/slideLayout1.xml><?xml version="1.0" encoding="utf-8"?>
@@ -247,7 +774,7 @@
           <a:p>
             <a:fld id="{5186A0E5-8862-47C8-9DA9-DD0D0FA65035}" type="datetimeFigureOut">
               <a:rPr lang="zh-TW" altLang="en-US" smtClean="0"/>
-              <a:t>2018/1/17</a:t>
+              <a:t>2018/1/18</a:t>
             </a:fld>
             <a:endParaRPr lang="zh-TW" altLang="en-US"/>
           </a:p>
@@ -417,7 +944,7 @@
           <a:p>
             <a:fld id="{5186A0E5-8862-47C8-9DA9-DD0D0FA65035}" type="datetimeFigureOut">
               <a:rPr lang="zh-TW" altLang="en-US" smtClean="0"/>
-              <a:t>2018/1/17</a:t>
+              <a:t>2018/1/18</a:t>
             </a:fld>
             <a:endParaRPr lang="zh-TW" altLang="en-US"/>
           </a:p>
@@ -597,7 +1124,7 @@
           <a:p>
             <a:fld id="{5186A0E5-8862-47C8-9DA9-DD0D0FA65035}" type="datetimeFigureOut">
               <a:rPr lang="zh-TW" altLang="en-US" smtClean="0"/>
-              <a:t>2018/1/17</a:t>
+              <a:t>2018/1/18</a:t>
             </a:fld>
             <a:endParaRPr lang="zh-TW" altLang="en-US"/>
           </a:p>
@@ -767,7 +1294,7 @@
           <a:p>
             <a:fld id="{5186A0E5-8862-47C8-9DA9-DD0D0FA65035}" type="datetimeFigureOut">
               <a:rPr lang="zh-TW" altLang="en-US" smtClean="0"/>
-              <a:t>2018/1/17</a:t>
+              <a:t>2018/1/18</a:t>
             </a:fld>
             <a:endParaRPr lang="zh-TW" altLang="en-US"/>
           </a:p>
@@ -1013,7 +1540,7 @@
           <a:p>
             <a:fld id="{5186A0E5-8862-47C8-9DA9-DD0D0FA65035}" type="datetimeFigureOut">
               <a:rPr lang="zh-TW" altLang="en-US" smtClean="0"/>
-              <a:t>2018/1/17</a:t>
+              <a:t>2018/1/18</a:t>
             </a:fld>
             <a:endParaRPr lang="zh-TW" altLang="en-US"/>
           </a:p>
@@ -1245,7 +1772,7 @@
           <a:p>
             <a:fld id="{5186A0E5-8862-47C8-9DA9-DD0D0FA65035}" type="datetimeFigureOut">
               <a:rPr lang="zh-TW" altLang="en-US" smtClean="0"/>
-              <a:t>2018/1/17</a:t>
+              <a:t>2018/1/18</a:t>
             </a:fld>
             <a:endParaRPr lang="zh-TW" altLang="en-US"/>
           </a:p>
@@ -1612,7 +2139,7 @@
           <a:p>
             <a:fld id="{5186A0E5-8862-47C8-9DA9-DD0D0FA65035}" type="datetimeFigureOut">
               <a:rPr lang="zh-TW" altLang="en-US" smtClean="0"/>
-              <a:t>2018/1/17</a:t>
+              <a:t>2018/1/18</a:t>
             </a:fld>
             <a:endParaRPr lang="zh-TW" altLang="en-US"/>
           </a:p>
@@ -1730,7 +2257,7 @@
           <a:p>
             <a:fld id="{5186A0E5-8862-47C8-9DA9-DD0D0FA65035}" type="datetimeFigureOut">
               <a:rPr lang="zh-TW" altLang="en-US" smtClean="0"/>
-              <a:t>2018/1/17</a:t>
+              <a:t>2018/1/18</a:t>
             </a:fld>
             <a:endParaRPr lang="zh-TW" altLang="en-US"/>
           </a:p>
@@ -1825,7 +2352,7 @@
           <a:p>
             <a:fld id="{5186A0E5-8862-47C8-9DA9-DD0D0FA65035}" type="datetimeFigureOut">
               <a:rPr lang="zh-TW" altLang="en-US" smtClean="0"/>
-              <a:t>2018/1/17</a:t>
+              <a:t>2018/1/18</a:t>
             </a:fld>
             <a:endParaRPr lang="zh-TW" altLang="en-US"/>
           </a:p>
@@ -2102,7 +2629,7 @@
           <a:p>
             <a:fld id="{5186A0E5-8862-47C8-9DA9-DD0D0FA65035}" type="datetimeFigureOut">
               <a:rPr lang="zh-TW" altLang="en-US" smtClean="0"/>
-              <a:t>2018/1/17</a:t>
+              <a:t>2018/1/18</a:t>
             </a:fld>
             <a:endParaRPr lang="zh-TW" altLang="en-US"/>
           </a:p>
@@ -2355,7 +2882,7 @@
           <a:p>
             <a:fld id="{5186A0E5-8862-47C8-9DA9-DD0D0FA65035}" type="datetimeFigureOut">
               <a:rPr lang="zh-TW" altLang="en-US" smtClean="0"/>
-              <a:t>2018/1/17</a:t>
+              <a:t>2018/1/18</a:t>
             </a:fld>
             <a:endParaRPr lang="zh-TW" altLang="en-US"/>
           </a:p>
@@ -2568,7 +3095,7 @@
           <a:p>
             <a:fld id="{5186A0E5-8862-47C8-9DA9-DD0D0FA65035}" type="datetimeFigureOut">
               <a:rPr lang="zh-TW" altLang="en-US" smtClean="0"/>
-              <a:t>2018/1/17</a:t>
+              <a:t>2018/1/18</a:t>
             </a:fld>
             <a:endParaRPr lang="zh-TW" altLang="en-US"/>
           </a:p>
@@ -2996,15 +3523,7 @@
                 <a:ea typeface="Ubuntu Mono derivative Powerline" charset="0"/>
                 <a:cs typeface="Times New Roman" panose="02020603050405020304" pitchFamily="18" charset="0"/>
               </a:rPr>
-              <a:t>Lenet</a:t>
-            </a:r>
-            <a:r>
-              <a:rPr lang="en-US" altLang="zh-TW" sz="5400" dirty="0">
-                <a:latin typeface="Times New Roman" panose="02020603050405020304" pitchFamily="18" charset="0"/>
-                <a:ea typeface="Ubuntu Mono derivative Powerline" charset="0"/>
-                <a:cs typeface="Times New Roman" panose="02020603050405020304" pitchFamily="18" charset="0"/>
-              </a:rPr>
-              <a:t> Accelerator </a:t>
+              <a:t>Lenet Accelerator </a:t>
             </a:r>
             <a:r>
               <a:rPr lang="en-US" altLang="zh-TW" sz="4950" dirty="0">
@@ -3090,6 +3609,14 @@
   <p:clrMapOvr>
     <a:masterClrMapping/>
   </p:clrMapOvr>
+  <mc:AlternateContent xmlns:mc="http://schemas.openxmlformats.org/markup-compatibility/2006">
+    <mc:Choice xmlns:p14="http://schemas.microsoft.com/office/powerpoint/2010/main" Requires="p14">
+      <p:transition p14:dur="0"/>
+    </mc:Choice>
+    <mc:Fallback>
+      <p:transition/>
+    </mc:Fallback>
+  </mc:AlternateContent>
   <p:timing>
     <p:tnLst>
       <p:par>
@@ -3152,12 +3679,110 @@
             <p:ph idx="1"/>
           </p:nvPr>
         </p:nvSpPr>
-        <p:spPr/>
-        <p:txBody>
-          <a:bodyPr/>
+        <p:spPr>
+          <a:xfrm>
+            <a:off x="838200" y="1485994"/>
+            <a:ext cx="10515600" cy="4351338"/>
+          </a:xfrm>
+        </p:spPr>
+        <p:txBody>
+          <a:bodyPr>
+            <a:normAutofit/>
+          </a:bodyPr>
           <a:lstStyle/>
           <a:p>
-            <a:endParaRPr lang="zh-TW" altLang="en-US"/>
+            <a:r>
+              <a:rPr lang="en-US" altLang="zh-TW" sz="2400" dirty="0"/>
+              <a:t>c</a:t>
+            </a:r>
+            <a:r>
+              <a:rPr lang="en-US" altLang="zh-TW" sz="2400" dirty="0" smtClean="0"/>
+              <a:t>ycle period in </a:t>
+            </a:r>
+            <a:r>
+              <a:rPr lang="en-US" altLang="zh-TW" sz="2400" dirty="0" err="1" smtClean="0"/>
+              <a:t>testbench</a:t>
+            </a:r>
+            <a:r>
+              <a:rPr lang="en-US" altLang="zh-TW" sz="2400" dirty="0" smtClean="0"/>
+              <a:t>: 10ns</a:t>
+            </a:r>
+          </a:p>
+          <a:p>
+            <a:r>
+              <a:rPr lang="en-US" altLang="zh-TW" sz="2400" dirty="0" smtClean="0"/>
+              <a:t>SRAM read data delay: 0.3*cycle period</a:t>
+            </a:r>
+          </a:p>
+          <a:p>
+            <a:r>
+              <a:rPr lang="en-US" altLang="zh-TW" sz="2400" dirty="0" smtClean="0"/>
+              <a:t>I/O external delay: 2ns (half of synthesis clock period)</a:t>
+            </a:r>
+          </a:p>
+          <a:p>
+            <a:r>
+              <a:rPr lang="en-US" altLang="zh-TW" sz="2400" dirty="0" smtClean="0"/>
+              <a:t>Total cycle counts:</a:t>
+            </a:r>
+          </a:p>
+          <a:p>
+            <a:pPr lvl="1"/>
+            <a:r>
+              <a:rPr lang="en-US" altLang="zh-TW" sz="2000" dirty="0" smtClean="0"/>
+              <a:t>CONV+FC:</a:t>
+            </a:r>
+            <a:r>
+              <a:rPr lang="en-US" altLang="zh-TW" sz="2000" dirty="0" smtClean="0">
+                <a:solidFill>
+                  <a:srgbClr val="FF0000"/>
+                </a:solidFill>
+              </a:rPr>
+              <a:t> 19736 + </a:t>
+            </a:r>
+            <a:r>
+              <a:rPr lang="en-US" altLang="zh-TW" sz="2000" dirty="0">
+                <a:solidFill>
+                  <a:srgbClr val="FF0000"/>
+                </a:solidFill>
+              </a:rPr>
+              <a:t>20770 = 40506</a:t>
+            </a:r>
+          </a:p>
+          <a:p>
+            <a:pPr lvl="1"/>
+            <a:r>
+              <a:rPr lang="en-US" altLang="zh-TW" sz="2000" dirty="0"/>
+              <a:t>In reality, </a:t>
+            </a:r>
+            <a:r>
+              <a:rPr lang="en-US" altLang="zh-TW" sz="2000" dirty="0" smtClean="0"/>
+              <a:t>only </a:t>
+            </a:r>
+            <a:r>
+              <a:rPr lang="en-US" altLang="zh-TW" sz="2000" dirty="0">
+                <a:solidFill>
+                  <a:srgbClr val="FF0000"/>
+                </a:solidFill>
+              </a:rPr>
+              <a:t>20770 </a:t>
+            </a:r>
+            <a:r>
+              <a:rPr lang="en-US" altLang="zh-TW" sz="2000" dirty="0"/>
+              <a:t>cycles </a:t>
+            </a:r>
+            <a:r>
+              <a:rPr lang="en-US" altLang="zh-TW" sz="2000" dirty="0" smtClean="0"/>
+              <a:t>required due </a:t>
+            </a:r>
+            <a:r>
+              <a:rPr lang="en-US" altLang="zh-TW" sz="2000" dirty="0"/>
+              <a:t>to our pipeline design</a:t>
+            </a:r>
+            <a:endParaRPr lang="zh-TW" altLang="en-US" sz="2000" dirty="0"/>
+          </a:p>
+          <a:p>
+            <a:endParaRPr lang="zh-TW" altLang="en-US" sz="2400" dirty="0"/>
           </a:p>
         </p:txBody>
       </p:sp>
@@ -3171,6 +3796,434 @@
   <p:clrMapOvr>
     <a:masterClrMapping/>
   </p:clrMapOvr>
+  <p:transition spd="slow">
+    <p:push dir="u"/>
+  </p:transition>
+  <p:timing>
+    <p:tnLst>
+      <p:par>
+        <p:cTn id="1" dur="indefinite" restart="never" nodeType="tmRoot"/>
+      </p:par>
+    </p:tnLst>
+  </p:timing>
+</p:sld>
+</file>
+
+<file path=ppt/slides/slide11.xml><?xml version="1.0" encoding="utf-8"?>
+<p:sld xmlns:a="http://schemas.openxmlformats.org/drawingml/2006/main" xmlns:r="http://schemas.openxmlformats.org/officeDocument/2006/relationships" xmlns:p="http://schemas.openxmlformats.org/presentationml/2006/main">
+  <p:cSld>
+    <p:spTree>
+      <p:nvGrpSpPr>
+        <p:cNvPr id="1" name=""/>
+        <p:cNvGrpSpPr/>
+        <p:nvPr/>
+      </p:nvGrpSpPr>
+      <p:grpSpPr>
+        <a:xfrm>
+          <a:off x="0" y="0"/>
+          <a:ext cx="0" cy="0"/>
+          <a:chOff x="0" y="0"/>
+          <a:chExt cx="0" cy="0"/>
+        </a:xfrm>
+      </p:grpSpPr>
+      <p:sp>
+        <p:nvSpPr>
+          <p:cNvPr id="2" name="標題 1"/>
+          <p:cNvSpPr>
+            <a:spLocks noGrp="1"/>
+          </p:cNvSpPr>
+          <p:nvPr>
+            <p:ph type="title"/>
+          </p:nvPr>
+        </p:nvSpPr>
+        <p:spPr/>
+        <p:txBody>
+          <a:bodyPr>
+            <a:normAutofit/>
+          </a:bodyPr>
+          <a:lstStyle/>
+          <a:p>
+            <a:r>
+              <a:rPr lang="en-US" altLang="zh-TW" b="1" dirty="0"/>
+              <a:t>Snapshots</a:t>
+            </a:r>
+            <a:endParaRPr lang="zh-TW" altLang="en-US" b="1" dirty="0"/>
+          </a:p>
+        </p:txBody>
+      </p:sp>
+      <p:sp>
+        <p:nvSpPr>
+          <p:cNvPr id="3" name="內容版面配置區 2"/>
+          <p:cNvSpPr>
+            <a:spLocks noGrp="1"/>
+          </p:cNvSpPr>
+          <p:nvPr>
+            <p:ph idx="1"/>
+          </p:nvPr>
+        </p:nvSpPr>
+        <p:spPr/>
+        <p:txBody>
+          <a:bodyPr/>
+          <a:lstStyle/>
+          <a:p>
+            <a:endParaRPr lang="zh-TW" altLang="en-US"/>
+          </a:p>
+        </p:txBody>
+      </p:sp>
+      <p:pic>
+        <p:nvPicPr>
+          <p:cNvPr id="4" name="圖片 3"/>
+          <p:cNvPicPr>
+            <a:picLocks noChangeAspect="1"/>
+          </p:cNvPicPr>
+          <p:nvPr/>
+        </p:nvPicPr>
+        <p:blipFill>
+          <a:blip r:embed="rId2"/>
+          <a:stretch>
+            <a:fillRect/>
+          </a:stretch>
+        </p:blipFill>
+        <p:spPr>
+          <a:xfrm>
+            <a:off x="261068" y="2286722"/>
+            <a:ext cx="5754176" cy="3636563"/>
+          </a:xfrm>
+          <a:prstGeom prst="rect">
+            <a:avLst/>
+          </a:prstGeom>
+        </p:spPr>
+      </p:pic>
+      <p:sp>
+        <p:nvSpPr>
+          <p:cNvPr id="5" name="文字方塊 4"/>
+          <p:cNvSpPr txBox="1"/>
+          <p:nvPr/>
+        </p:nvSpPr>
+        <p:spPr>
+          <a:xfrm>
+            <a:off x="7211833" y="4139648"/>
+            <a:ext cx="184731" cy="369332"/>
+          </a:xfrm>
+          <a:prstGeom prst="rect">
+            <a:avLst/>
+          </a:prstGeom>
+          <a:noFill/>
+        </p:spPr>
+        <p:txBody>
+          <a:bodyPr wrap="none" rtlCol="0">
+            <a:spAutoFit/>
+          </a:bodyPr>
+          <a:lstStyle/>
+          <a:p>
+            <a:endParaRPr lang="zh-TW" altLang="en-US" dirty="0"/>
+          </a:p>
+        </p:txBody>
+      </p:sp>
+      <p:cxnSp>
+        <p:nvCxnSpPr>
+          <p:cNvPr id="6" name="直線接點 5"/>
+          <p:cNvCxnSpPr/>
+          <p:nvPr/>
+        </p:nvCxnSpPr>
+        <p:spPr>
+          <a:xfrm flipV="1">
+            <a:off x="277854" y="3888740"/>
+            <a:ext cx="2699026" cy="1895"/>
+          </a:xfrm>
+          <a:prstGeom prst="line">
+            <a:avLst/>
+          </a:prstGeom>
+          <a:ln w="38100">
+            <a:solidFill>
+              <a:srgbClr val="FF0000"/>
+            </a:solidFill>
+          </a:ln>
+        </p:spPr>
+        <p:style>
+          <a:lnRef idx="1">
+            <a:schemeClr val="accent1"/>
+          </a:lnRef>
+          <a:fillRef idx="0">
+            <a:schemeClr val="accent1"/>
+          </a:fillRef>
+          <a:effectRef idx="0">
+            <a:schemeClr val="accent1"/>
+          </a:effectRef>
+          <a:fontRef idx="minor">
+            <a:schemeClr val="tx1"/>
+          </a:fontRef>
+        </p:style>
+      </p:cxnSp>
+      <p:cxnSp>
+        <p:nvCxnSpPr>
+          <p:cNvPr id="7" name="直線接點 6"/>
+          <p:cNvCxnSpPr/>
+          <p:nvPr/>
+        </p:nvCxnSpPr>
+        <p:spPr>
+          <a:xfrm>
+            <a:off x="1026160" y="4133756"/>
+            <a:ext cx="1188720" cy="1"/>
+          </a:xfrm>
+          <a:prstGeom prst="line">
+            <a:avLst/>
+          </a:prstGeom>
+          <a:ln w="19050"/>
+        </p:spPr>
+        <p:style>
+          <a:lnRef idx="1">
+            <a:schemeClr val="accent4"/>
+          </a:lnRef>
+          <a:fillRef idx="0">
+            <a:schemeClr val="accent4"/>
+          </a:fillRef>
+          <a:effectRef idx="0">
+            <a:schemeClr val="accent4"/>
+          </a:effectRef>
+          <a:fontRef idx="minor">
+            <a:schemeClr val="tx1"/>
+          </a:fontRef>
+        </p:style>
+      </p:cxnSp>
+      <p:cxnSp>
+        <p:nvCxnSpPr>
+          <p:cNvPr id="8" name="直線接點 7"/>
+          <p:cNvCxnSpPr/>
+          <p:nvPr/>
+        </p:nvCxnSpPr>
+        <p:spPr>
+          <a:xfrm flipV="1">
+            <a:off x="2038812" y="3568700"/>
+            <a:ext cx="1054908" cy="12775"/>
+          </a:xfrm>
+          <a:prstGeom prst="line">
+            <a:avLst/>
+          </a:prstGeom>
+          <a:ln w="19050"/>
+        </p:spPr>
+        <p:style>
+          <a:lnRef idx="1">
+            <a:schemeClr val="accent4"/>
+          </a:lnRef>
+          <a:fillRef idx="0">
+            <a:schemeClr val="accent4"/>
+          </a:fillRef>
+          <a:effectRef idx="0">
+            <a:schemeClr val="accent4"/>
+          </a:effectRef>
+          <a:fontRef idx="minor">
+            <a:schemeClr val="tx1"/>
+          </a:fontRef>
+        </p:style>
+      </p:cxnSp>
+      <p:pic>
+        <p:nvPicPr>
+          <p:cNvPr id="9" name="圖片 8"/>
+          <p:cNvPicPr>
+            <a:picLocks noChangeAspect="1"/>
+          </p:cNvPicPr>
+          <p:nvPr/>
+        </p:nvPicPr>
+        <p:blipFill>
+          <a:blip r:embed="rId3"/>
+          <a:stretch>
+            <a:fillRect/>
+          </a:stretch>
+        </p:blipFill>
+        <p:spPr>
+          <a:xfrm>
+            <a:off x="6638096" y="2286722"/>
+            <a:ext cx="5384276" cy="3598023"/>
+          </a:xfrm>
+          <a:prstGeom prst="rect">
+            <a:avLst/>
+          </a:prstGeom>
+        </p:spPr>
+      </p:pic>
+      <p:cxnSp>
+        <p:nvCxnSpPr>
+          <p:cNvPr id="10" name="直線接點 9"/>
+          <p:cNvCxnSpPr/>
+          <p:nvPr/>
+        </p:nvCxnSpPr>
+        <p:spPr>
+          <a:xfrm flipV="1">
+            <a:off x="6621310" y="4309478"/>
+            <a:ext cx="2454110" cy="6741"/>
+          </a:xfrm>
+          <a:prstGeom prst="line">
+            <a:avLst/>
+          </a:prstGeom>
+          <a:ln w="19050">
+            <a:solidFill>
+              <a:srgbClr val="FF0000"/>
+            </a:solidFill>
+          </a:ln>
+        </p:spPr>
+        <p:style>
+          <a:lnRef idx="1">
+            <a:schemeClr val="accent1"/>
+          </a:lnRef>
+          <a:fillRef idx="0">
+            <a:schemeClr val="accent1"/>
+          </a:fillRef>
+          <a:effectRef idx="0">
+            <a:schemeClr val="accent1"/>
+          </a:effectRef>
+          <a:fontRef idx="minor">
+            <a:schemeClr val="tx1"/>
+          </a:fontRef>
+        </p:style>
+      </p:cxnSp>
+      <p:cxnSp>
+        <p:nvCxnSpPr>
+          <p:cNvPr id="11" name="直線接點 10"/>
+          <p:cNvCxnSpPr/>
+          <p:nvPr/>
+        </p:nvCxnSpPr>
+        <p:spPr>
+          <a:xfrm>
+            <a:off x="8042634" y="4054537"/>
+            <a:ext cx="1188720" cy="1"/>
+          </a:xfrm>
+          <a:prstGeom prst="line">
+            <a:avLst/>
+          </a:prstGeom>
+          <a:ln w="19050"/>
+        </p:spPr>
+        <p:style>
+          <a:lnRef idx="1">
+            <a:schemeClr val="accent4"/>
+          </a:lnRef>
+          <a:fillRef idx="0">
+            <a:schemeClr val="accent4"/>
+          </a:fillRef>
+          <a:effectRef idx="0">
+            <a:schemeClr val="accent4"/>
+          </a:effectRef>
+          <a:fontRef idx="minor">
+            <a:schemeClr val="tx1"/>
+          </a:fontRef>
+        </p:style>
+      </p:cxnSp>
+      <p:cxnSp>
+        <p:nvCxnSpPr>
+          <p:cNvPr id="12" name="直線接點 11"/>
+          <p:cNvCxnSpPr/>
+          <p:nvPr/>
+        </p:nvCxnSpPr>
+        <p:spPr>
+          <a:xfrm flipV="1">
+            <a:off x="8271972" y="3429295"/>
+            <a:ext cx="1054908" cy="12775"/>
+          </a:xfrm>
+          <a:prstGeom prst="line">
+            <a:avLst/>
+          </a:prstGeom>
+          <a:ln w="19050"/>
+        </p:spPr>
+        <p:style>
+          <a:lnRef idx="1">
+            <a:schemeClr val="accent4"/>
+          </a:lnRef>
+          <a:fillRef idx="0">
+            <a:schemeClr val="accent4"/>
+          </a:fillRef>
+          <a:effectRef idx="0">
+            <a:schemeClr val="accent4"/>
+          </a:effectRef>
+          <a:fontRef idx="minor">
+            <a:schemeClr val="tx1"/>
+          </a:fontRef>
+        </p:style>
+      </p:cxnSp>
+      <p:cxnSp>
+        <p:nvCxnSpPr>
+          <p:cNvPr id="13" name="直線接點 12"/>
+          <p:cNvCxnSpPr/>
+          <p:nvPr/>
+        </p:nvCxnSpPr>
+        <p:spPr>
+          <a:xfrm>
+            <a:off x="7304198" y="4584642"/>
+            <a:ext cx="1188720" cy="1"/>
+          </a:xfrm>
+          <a:prstGeom prst="line">
+            <a:avLst/>
+          </a:prstGeom>
+          <a:ln w="19050"/>
+        </p:spPr>
+        <p:style>
+          <a:lnRef idx="1">
+            <a:schemeClr val="accent4"/>
+          </a:lnRef>
+          <a:fillRef idx="0">
+            <a:schemeClr val="accent4"/>
+          </a:fillRef>
+          <a:effectRef idx="0">
+            <a:schemeClr val="accent4"/>
+          </a:effectRef>
+          <a:fontRef idx="minor">
+            <a:schemeClr val="tx1"/>
+          </a:fontRef>
+        </p:style>
+      </p:cxnSp>
+      <p:cxnSp>
+        <p:nvCxnSpPr>
+          <p:cNvPr id="14" name="直線接點 13"/>
+          <p:cNvCxnSpPr/>
+          <p:nvPr/>
+        </p:nvCxnSpPr>
+        <p:spPr>
+          <a:xfrm flipV="1">
+            <a:off x="6621310" y="4432610"/>
+            <a:ext cx="2090821" cy="17820"/>
+          </a:xfrm>
+          <a:prstGeom prst="line">
+            <a:avLst/>
+          </a:prstGeom>
+          <a:ln w="19050">
+            <a:solidFill>
+              <a:srgbClr val="FF0000"/>
+            </a:solidFill>
+          </a:ln>
+        </p:spPr>
+        <p:style>
+          <a:lnRef idx="1">
+            <a:schemeClr val="accent1"/>
+          </a:lnRef>
+          <a:fillRef idx="0">
+            <a:schemeClr val="accent1"/>
+          </a:fillRef>
+          <a:effectRef idx="0">
+            <a:schemeClr val="accent1"/>
+          </a:effectRef>
+          <a:fontRef idx="minor">
+            <a:schemeClr val="tx1"/>
+          </a:fontRef>
+        </p:style>
+      </p:cxnSp>
+    </p:spTree>
+    <p:extLst>
+      <p:ext uri="{BB962C8B-B14F-4D97-AF65-F5344CB8AC3E}">
+        <p14:creationId xmlns:p14="http://schemas.microsoft.com/office/powerpoint/2010/main" val="1626353549"/>
+      </p:ext>
+    </p:extLst>
+  </p:cSld>
+  <p:clrMapOvr>
+    <a:masterClrMapping/>
+  </p:clrMapOvr>
+  <p:transition spd="slow">
+    <p:push dir="u"/>
+  </p:transition>
+  <p:timing>
+    <p:tnLst>
+      <p:par>
+        <p:cTn id="1" dur="indefinite" restart="never" nodeType="tmRoot"/>
+      </p:par>
+    </p:tnLst>
+  </p:timing>
 </p:sld>
 </file>
 
@@ -3215,10 +4268,6 @@
               </a:rPr>
               <a:t>Outline</a:t>
             </a:r>
-            <a:endParaRPr lang="en-US" sz="4800" b="1" dirty="0">
-              <a:latin typeface="+mn-lt"/>
-              <a:cs typeface="Times New Roman" panose="02020603050405020304" pitchFamily="18" charset="0"/>
-            </a:endParaRPr>
           </a:p>
         </p:txBody>
       </p:sp>
@@ -3234,7 +4283,9 @@
         </p:nvSpPr>
         <p:spPr/>
         <p:txBody>
-          <a:bodyPr/>
+          <a:bodyPr>
+            <a:normAutofit/>
+          </a:bodyPr>
           <a:lstStyle/>
           <a:p>
             <a:pPr marL="514350" indent="-514350">
@@ -3242,7 +4293,7 @@
               <a:buAutoNum type="arabicPeriod"/>
             </a:pPr>
             <a:r>
-              <a:rPr lang="en-US" altLang="zh-TW" sz="3600" dirty="0" smtClean="0">
+              <a:rPr lang="en-US" altLang="zh-TW" dirty="0" smtClean="0">
                 <a:cs typeface="Times New Roman" panose="02020603050405020304" pitchFamily="18" charset="0"/>
               </a:rPr>
               <a:t>Recap</a:t>
@@ -3254,7 +4305,7 @@
               <a:buAutoNum type="arabicPeriod"/>
             </a:pPr>
             <a:r>
-              <a:rPr lang="en-US" sz="3600" dirty="0" smtClean="0">
+              <a:rPr lang="en-US" dirty="0" smtClean="0">
                 <a:cs typeface="Times New Roman" panose="02020603050405020304" pitchFamily="18" charset="0"/>
               </a:rPr>
               <a:t>P&amp;R result</a:t>
@@ -3266,7 +4317,7 @@
               <a:buAutoNum type="arabicPeriod"/>
             </a:pPr>
             <a:r>
-              <a:rPr lang="en-US" sz="3600" dirty="0" smtClean="0">
+              <a:rPr lang="en-US" dirty="0" smtClean="0">
                 <a:cs typeface="Times New Roman" panose="02020603050405020304" pitchFamily="18" charset="0"/>
               </a:rPr>
               <a:t>Post-layout simulation</a:t>
@@ -3284,6 +4335,9 @@
   <p:clrMapOvr>
     <a:masterClrMapping/>
   </p:clrMapOvr>
+  <p:transition spd="slow">
+    <p:push dir="u"/>
+  </p:transition>
   <p:timing>
     <p:tnLst>
       <p:par>
@@ -3350,6 +4404,9 @@
   <p:clrMapOvr>
     <a:masterClrMapping/>
   </p:clrMapOvr>
+  <p:transition spd="slow">
+    <p:push dir="u"/>
+  </p:transition>
   <p:timing>
     <p:tnLst>
       <p:par>
@@ -3408,8 +4465,8 @@
         </p:nvGrpSpPr>
         <p:grpSpPr>
           <a:xfrm>
-            <a:off x="5705214" y="2785500"/>
-            <a:ext cx="2891349" cy="3822438"/>
+            <a:off x="6788426" y="628707"/>
+            <a:ext cx="2344850" cy="3227675"/>
             <a:chOff x="1715278" y="1884435"/>
             <a:chExt cx="3212610" cy="4247153"/>
           </a:xfrm>
@@ -3457,7 +4514,7 @@
             <a:p>
               <a:pPr algn="ctr"/>
               <a:r>
-                <a:rPr lang="en-US" sz="4000" dirty="0">
+                <a:rPr lang="en-US" sz="2400" dirty="0">
                   <a:solidFill>
                     <a:schemeClr val="tx1"/>
                   </a:solidFill>
@@ -3522,11 +4579,6 @@
                 </a:rPr>
                 <a:t>SRAM A0-A8</a:t>
               </a:r>
-              <a:endParaRPr lang="en-US" dirty="0">
-                <a:solidFill>
-                  <a:schemeClr val="tx1"/>
-                </a:solidFill>
-              </a:endParaRPr>
             </a:p>
           </p:txBody>
         </p:sp>
@@ -3580,11 +4632,6 @@
                 </a:rPr>
                 <a:t>SRAM B0-B8</a:t>
               </a:r>
-              <a:endParaRPr lang="en-US" dirty="0">
-                <a:solidFill>
-                  <a:schemeClr val="tx1"/>
-                </a:solidFill>
-              </a:endParaRPr>
             </a:p>
           </p:txBody>
         </p:sp>
@@ -3638,11 +4685,6 @@
                 </a:rPr>
                 <a:t>SRAM_CONV</a:t>
               </a:r>
-              <a:endParaRPr lang="en-US" dirty="0">
-                <a:solidFill>
-                  <a:schemeClr val="tx1"/>
-                </a:solidFill>
-              </a:endParaRPr>
             </a:p>
           </p:txBody>
         </p:sp>
@@ -3689,7 +4731,7 @@
             <a:p>
               <a:pPr algn="ctr"/>
               <a:r>
-                <a:rPr lang="en-US" sz="4000" dirty="0">
+                <a:rPr lang="en-US" sz="2400" dirty="0">
                   <a:solidFill>
                     <a:schemeClr val="tx1"/>
                   </a:solidFill>
@@ -3713,8 +4755,8 @@
         </p:nvGrpSpPr>
         <p:grpSpPr>
           <a:xfrm>
-            <a:off x="9029433" y="2852178"/>
-            <a:ext cx="2972630" cy="3777548"/>
+            <a:off x="9452114" y="655631"/>
+            <a:ext cx="2569828" cy="3160996"/>
             <a:chOff x="7162801" y="1884434"/>
             <a:chExt cx="3302922" cy="4197278"/>
           </a:xfrm>
@@ -3762,18 +4804,13 @@
             <a:p>
               <a:pPr algn="ctr"/>
               <a:r>
-                <a:rPr lang="en-US" sz="4400" dirty="0">
+                <a:rPr lang="en-US" sz="2400" dirty="0">
                   <a:solidFill>
                     <a:schemeClr val="tx1"/>
                   </a:solidFill>
                 </a:rPr>
                 <a:t>FC1</a:t>
               </a:r>
-              <a:endParaRPr lang="en-US" sz="2400" dirty="0">
-                <a:solidFill>
-                  <a:schemeClr val="tx1"/>
-                </a:solidFill>
-              </a:endParaRPr>
             </a:p>
           </p:txBody>
         </p:sp>
@@ -3785,8 +4822,8 @@
           </p:nvSpPr>
           <p:spPr>
             <a:xfrm>
-              <a:off x="7561811" y="1884434"/>
-              <a:ext cx="1080654" cy="789709"/>
+              <a:off x="7533259" y="1884434"/>
+              <a:ext cx="1302995" cy="789709"/>
             </a:xfrm>
             <a:prstGeom prst="rect">
               <a:avLst/>
@@ -3827,11 +4864,6 @@
                 </a:rPr>
                 <a:t>SRAM E</a:t>
               </a:r>
-              <a:endParaRPr lang="en-US" dirty="0">
-                <a:solidFill>
-                  <a:schemeClr val="tx1"/>
-                </a:solidFill>
-              </a:endParaRPr>
             </a:p>
           </p:txBody>
         </p:sp>
@@ -3885,11 +4917,6 @@
                 </a:rPr>
                 <a:t>SRAM F</a:t>
               </a:r>
-              <a:endParaRPr lang="en-US" dirty="0">
-                <a:solidFill>
-                  <a:schemeClr val="tx1"/>
-                </a:solidFill>
-              </a:endParaRPr>
             </a:p>
           </p:txBody>
         </p:sp>
@@ -3943,11 +4970,6 @@
                 </a:rPr>
                 <a:t>SRAM_FC</a:t>
               </a:r>
-              <a:endParaRPr lang="en-US" dirty="0">
-                <a:solidFill>
-                  <a:schemeClr val="tx1"/>
-                </a:solidFill>
-              </a:endParaRPr>
             </a:p>
           </p:txBody>
         </p:sp>
@@ -3994,18 +5016,13 @@
             <a:p>
               <a:pPr algn="ctr"/>
               <a:r>
-                <a:rPr lang="en-US" sz="4400" dirty="0">
+                <a:rPr lang="en-US" sz="2400" dirty="0">
                   <a:solidFill>
                     <a:schemeClr val="tx1"/>
                   </a:solidFill>
                 </a:rPr>
                 <a:t>FC2</a:t>
               </a:r>
-              <a:endParaRPr lang="en-US" sz="2400" dirty="0">
-                <a:solidFill>
-                  <a:schemeClr val="tx1"/>
-                </a:solidFill>
-              </a:endParaRPr>
             </a:p>
           </p:txBody>
         </p:sp>
@@ -4018,7 +5035,7 @@
         </p:nvSpPr>
         <p:spPr>
           <a:xfrm>
-            <a:off x="896159" y="1534902"/>
+            <a:off x="856404" y="1942406"/>
             <a:ext cx="5930699" cy="3539430"/>
           </a:xfrm>
           <a:prstGeom prst="rect">
@@ -4039,7 +5056,7 @@
           </a:p>
           <a:p>
             <a:r>
-              <a:rPr lang="en-US" altLang="zh-TW" sz="2800" dirty="0" smtClean="0"/>
+              <a:rPr lang="en-US" altLang="zh-TW" sz="2400" dirty="0" smtClean="0"/>
               <a:t> </a:t>
             </a:r>
           </a:p>
@@ -4091,7 +5108,19 @@
             </a:r>
             <a:r>
               <a:rPr lang="en-US" altLang="zh-TW" sz="2400" dirty="0" smtClean="0"/>
-              <a:t>ycle count:</a:t>
+              <a:t>ycle count</a:t>
+            </a:r>
+            <a:r>
+              <a:rPr lang="en-US" altLang="zh-TW" sz="2400" dirty="0" smtClean="0"/>
+              <a:t>:</a:t>
+            </a:r>
+            <a:r>
+              <a:rPr lang="zh-TW" altLang="en-US" sz="2400" dirty="0" smtClean="0"/>
+              <a:t> </a:t>
+            </a:r>
+            <a:r>
+              <a:rPr lang="en-US" altLang="zh-TW" sz="2400" dirty="0" smtClean="0"/>
+              <a:t>20770</a:t>
             </a:r>
           </a:p>
           <a:p>
@@ -4100,13 +5129,18 @@
               <a:buChar char="ü"/>
             </a:pPr>
             <a:r>
-              <a:rPr lang="en-US" altLang="zh-TW" sz="2400" dirty="0"/>
-              <a:t>c</a:t>
-            </a:r>
-            <a:r>
               <a:rPr lang="en-US" altLang="zh-TW" sz="2400" dirty="0" smtClean="0"/>
-              <a:t>ycle period:</a:t>
-            </a:r>
+              <a:t>cycle </a:t>
+            </a:r>
+            <a:r>
+              <a:rPr lang="en-US" altLang="zh-TW" sz="2400" dirty="0" smtClean="0"/>
+              <a:t>period</a:t>
+            </a:r>
+            <a:r>
+              <a:rPr lang="en-US" altLang="zh-TW" sz="2400" dirty="0" smtClean="0"/>
+              <a:t>: 4 ns</a:t>
+            </a:r>
+            <a:endParaRPr lang="en-US" altLang="zh-TW" sz="2400" dirty="0" smtClean="0"/>
           </a:p>
           <a:p>
             <a:pPr marL="800100" lvl="1" indent="-342900">
@@ -4119,12 +5153,486 @@
             </a:r>
             <a:r>
               <a:rPr lang="en-US" altLang="zh-TW" sz="2400" dirty="0" smtClean="0"/>
-              <a:t>rea:</a:t>
-            </a:r>
-            <a:endParaRPr lang="zh-TW" altLang="en-US" sz="2400" dirty="0"/>
-          </a:p>
-        </p:txBody>
-      </p:sp>
+              <a:t>rea</a:t>
+            </a:r>
+            <a:r>
+              <a:rPr lang="en-US" altLang="zh-TW" sz="2400" dirty="0"/>
+              <a:t>: </a:t>
+            </a:r>
+            <a:r>
+              <a:rPr lang="en-US" altLang="zh-TW" sz="2400" dirty="0" smtClean="0"/>
+              <a:t>77292.340211 um</a:t>
+            </a:r>
+            <a:r>
+              <a:rPr lang="en-US" altLang="zh-TW" sz="2400" baseline="30000" dirty="0" smtClean="0"/>
+              <a:t>2</a:t>
+            </a:r>
+            <a:endParaRPr lang="zh-TW" altLang="en-US" sz="2400" b="1" baseline="30000" dirty="0"/>
+          </a:p>
+        </p:txBody>
+      </p:sp>
+      <p:sp>
+        <p:nvSpPr>
+          <p:cNvPr id="16" name="Content Placeholder 2"/>
+          <p:cNvSpPr txBox="1">
+            <a:spLocks/>
+          </p:cNvSpPr>
+          <p:nvPr/>
+        </p:nvSpPr>
+        <p:spPr>
+          <a:xfrm>
+            <a:off x="5436000" y="4355479"/>
+            <a:ext cx="822119" cy="328729"/>
+          </a:xfrm>
+          <a:prstGeom prst="rect">
+            <a:avLst/>
+          </a:prstGeom>
+          <a:solidFill>
+            <a:srgbClr val="FFC000"/>
+          </a:solidFill>
+        </p:spPr>
+        <p:txBody>
+          <a:bodyPr vert="horz" lIns="91440" tIns="45720" rIns="91440" bIns="45720" rtlCol="0">
+            <a:noAutofit/>
+          </a:bodyPr>
+          <a:lstStyle>
+            <a:lvl1pPr marL="228600" indent="-228600" algn="l" defTabSz="914400" rtl="0" eaLnBrk="1" latinLnBrk="0" hangingPunct="1">
+              <a:lnSpc>
+                <a:spcPct val="90000"/>
+              </a:lnSpc>
+              <a:spcBef>
+                <a:spcPts val="1000"/>
+              </a:spcBef>
+              <a:buFont typeface="Arial" panose="020B0604020202020204" pitchFamily="34" charset="0"/>
+              <a:buChar char="•"/>
+              <a:defRPr sz="2800" kern="1200">
+                <a:solidFill>
+                  <a:schemeClr val="tx1"/>
+                </a:solidFill>
+                <a:latin typeface="+mn-lt"/>
+                <a:ea typeface="+mn-ea"/>
+                <a:cs typeface="+mn-cs"/>
+              </a:defRPr>
+            </a:lvl1pPr>
+            <a:lvl2pPr marL="685800" indent="-228600" algn="l" defTabSz="914400" rtl="0" eaLnBrk="1" latinLnBrk="0" hangingPunct="1">
+              <a:lnSpc>
+                <a:spcPct val="90000"/>
+              </a:lnSpc>
+              <a:spcBef>
+                <a:spcPts val="500"/>
+              </a:spcBef>
+              <a:buFont typeface="Arial" panose="020B0604020202020204" pitchFamily="34" charset="0"/>
+              <a:buChar char="•"/>
+              <a:defRPr sz="2400" kern="1200">
+                <a:solidFill>
+                  <a:schemeClr val="tx1"/>
+                </a:solidFill>
+                <a:latin typeface="+mn-lt"/>
+                <a:ea typeface="+mn-ea"/>
+                <a:cs typeface="+mn-cs"/>
+              </a:defRPr>
+            </a:lvl2pPr>
+            <a:lvl3pPr marL="1143000" indent="-228600" algn="l" defTabSz="914400" rtl="0" eaLnBrk="1" latinLnBrk="0" hangingPunct="1">
+              <a:lnSpc>
+                <a:spcPct val="90000"/>
+              </a:lnSpc>
+              <a:spcBef>
+                <a:spcPts val="500"/>
+              </a:spcBef>
+              <a:buFont typeface="Arial" panose="020B0604020202020204" pitchFamily="34" charset="0"/>
+              <a:buChar char="•"/>
+              <a:defRPr sz="2000" kern="1200">
+                <a:solidFill>
+                  <a:schemeClr val="tx1"/>
+                </a:solidFill>
+                <a:latin typeface="+mn-lt"/>
+                <a:ea typeface="+mn-ea"/>
+                <a:cs typeface="+mn-cs"/>
+              </a:defRPr>
+            </a:lvl3pPr>
+            <a:lvl4pPr marL="1600200" indent="-228600" algn="l" defTabSz="914400" rtl="0" eaLnBrk="1" latinLnBrk="0" hangingPunct="1">
+              <a:lnSpc>
+                <a:spcPct val="90000"/>
+              </a:lnSpc>
+              <a:spcBef>
+                <a:spcPts val="500"/>
+              </a:spcBef>
+              <a:buFont typeface="Arial" panose="020B0604020202020204" pitchFamily="34" charset="0"/>
+              <a:buChar char="•"/>
+              <a:defRPr sz="1800" kern="1200">
+                <a:solidFill>
+                  <a:schemeClr val="tx1"/>
+                </a:solidFill>
+                <a:latin typeface="+mn-lt"/>
+                <a:ea typeface="+mn-ea"/>
+                <a:cs typeface="+mn-cs"/>
+              </a:defRPr>
+            </a:lvl4pPr>
+            <a:lvl5pPr marL="2057400" indent="-228600" algn="l" defTabSz="914400" rtl="0" eaLnBrk="1" latinLnBrk="0" hangingPunct="1">
+              <a:lnSpc>
+                <a:spcPct val="90000"/>
+              </a:lnSpc>
+              <a:spcBef>
+                <a:spcPts val="500"/>
+              </a:spcBef>
+              <a:buFont typeface="Arial" panose="020B0604020202020204" pitchFamily="34" charset="0"/>
+              <a:buChar char="•"/>
+              <a:defRPr sz="1800" kern="1200">
+                <a:solidFill>
+                  <a:schemeClr val="tx1"/>
+                </a:solidFill>
+                <a:latin typeface="+mn-lt"/>
+                <a:ea typeface="+mn-ea"/>
+                <a:cs typeface="+mn-cs"/>
+              </a:defRPr>
+            </a:lvl5pPr>
+            <a:lvl6pPr marL="2514600" indent="-228600" algn="l" defTabSz="914400" rtl="0" eaLnBrk="1" latinLnBrk="0" hangingPunct="1">
+              <a:lnSpc>
+                <a:spcPct val="90000"/>
+              </a:lnSpc>
+              <a:spcBef>
+                <a:spcPts val="500"/>
+              </a:spcBef>
+              <a:buFont typeface="Arial" panose="020B0604020202020204" pitchFamily="34" charset="0"/>
+              <a:buChar char="•"/>
+              <a:defRPr sz="1800" kern="1200">
+                <a:solidFill>
+                  <a:schemeClr val="tx1"/>
+                </a:solidFill>
+                <a:latin typeface="+mn-lt"/>
+                <a:ea typeface="+mn-ea"/>
+                <a:cs typeface="+mn-cs"/>
+              </a:defRPr>
+            </a:lvl6pPr>
+            <a:lvl7pPr marL="2971800" indent="-228600" algn="l" defTabSz="914400" rtl="0" eaLnBrk="1" latinLnBrk="0" hangingPunct="1">
+              <a:lnSpc>
+                <a:spcPct val="90000"/>
+              </a:lnSpc>
+              <a:spcBef>
+                <a:spcPts val="500"/>
+              </a:spcBef>
+              <a:buFont typeface="Arial" panose="020B0604020202020204" pitchFamily="34" charset="0"/>
+              <a:buChar char="•"/>
+              <a:defRPr sz="1800" kern="1200">
+                <a:solidFill>
+                  <a:schemeClr val="tx1"/>
+                </a:solidFill>
+                <a:latin typeface="+mn-lt"/>
+                <a:ea typeface="+mn-ea"/>
+                <a:cs typeface="+mn-cs"/>
+              </a:defRPr>
+            </a:lvl7pPr>
+            <a:lvl8pPr marL="3429000" indent="-228600" algn="l" defTabSz="914400" rtl="0" eaLnBrk="1" latinLnBrk="0" hangingPunct="1">
+              <a:lnSpc>
+                <a:spcPct val="90000"/>
+              </a:lnSpc>
+              <a:spcBef>
+                <a:spcPts val="500"/>
+              </a:spcBef>
+              <a:buFont typeface="Arial" panose="020B0604020202020204" pitchFamily="34" charset="0"/>
+              <a:buChar char="•"/>
+              <a:defRPr sz="1800" kern="1200">
+                <a:solidFill>
+                  <a:schemeClr val="tx1"/>
+                </a:solidFill>
+                <a:latin typeface="+mn-lt"/>
+                <a:ea typeface="+mn-ea"/>
+                <a:cs typeface="+mn-cs"/>
+              </a:defRPr>
+            </a:lvl8pPr>
+            <a:lvl9pPr marL="3886200" indent="-228600" algn="l" defTabSz="914400" rtl="0" eaLnBrk="1" latinLnBrk="0" hangingPunct="1">
+              <a:lnSpc>
+                <a:spcPct val="90000"/>
+              </a:lnSpc>
+              <a:spcBef>
+                <a:spcPts val="500"/>
+              </a:spcBef>
+              <a:buFont typeface="Arial" panose="020B0604020202020204" pitchFamily="34" charset="0"/>
+              <a:buChar char="•"/>
+              <a:defRPr sz="1800" kern="1200">
+                <a:solidFill>
+                  <a:schemeClr val="tx1"/>
+                </a:solidFill>
+                <a:latin typeface="+mn-lt"/>
+                <a:ea typeface="+mn-ea"/>
+                <a:cs typeface="+mn-cs"/>
+              </a:defRPr>
+            </a:lvl9pPr>
+          </a:lstStyle>
+          <a:p>
+            <a:pPr marL="0" indent="0">
+              <a:buFont typeface="Arial" panose="020B0604020202020204" pitchFamily="34" charset="0"/>
+              <a:buNone/>
+            </a:pPr>
+            <a:r>
+              <a:rPr lang="en-US" sz="2000" dirty="0" smtClean="0"/>
+              <a:t>Origin</a:t>
+            </a:r>
+            <a:endParaRPr lang="en-US" sz="3600" dirty="0"/>
+          </a:p>
+        </p:txBody>
+      </p:sp>
+      <p:sp>
+        <p:nvSpPr>
+          <p:cNvPr id="18" name="Content Placeholder 2"/>
+          <p:cNvSpPr txBox="1">
+            <a:spLocks/>
+          </p:cNvSpPr>
+          <p:nvPr/>
+        </p:nvSpPr>
+        <p:spPr>
+          <a:xfrm>
+            <a:off x="5436001" y="5622166"/>
+            <a:ext cx="1010962" cy="311495"/>
+          </a:xfrm>
+          <a:prstGeom prst="rect">
+            <a:avLst/>
+          </a:prstGeom>
+          <a:solidFill>
+            <a:srgbClr val="FFC000"/>
+          </a:solidFill>
+        </p:spPr>
+        <p:txBody>
+          <a:bodyPr vert="horz" lIns="91440" tIns="45720" rIns="91440" bIns="45720" rtlCol="0">
+            <a:noAutofit/>
+          </a:bodyPr>
+          <a:lstStyle>
+            <a:lvl1pPr marL="228600" indent="-228600" algn="l" defTabSz="914400" rtl="0" eaLnBrk="1" latinLnBrk="0" hangingPunct="1">
+              <a:lnSpc>
+                <a:spcPct val="90000"/>
+              </a:lnSpc>
+              <a:spcBef>
+                <a:spcPts val="1000"/>
+              </a:spcBef>
+              <a:buFont typeface="Arial" panose="020B0604020202020204" pitchFamily="34" charset="0"/>
+              <a:buChar char="•"/>
+              <a:defRPr sz="2800" kern="1200">
+                <a:solidFill>
+                  <a:schemeClr val="tx1"/>
+                </a:solidFill>
+                <a:latin typeface="+mn-lt"/>
+                <a:ea typeface="+mn-ea"/>
+                <a:cs typeface="+mn-cs"/>
+              </a:defRPr>
+            </a:lvl1pPr>
+            <a:lvl2pPr marL="685800" indent="-228600" algn="l" defTabSz="914400" rtl="0" eaLnBrk="1" latinLnBrk="0" hangingPunct="1">
+              <a:lnSpc>
+                <a:spcPct val="90000"/>
+              </a:lnSpc>
+              <a:spcBef>
+                <a:spcPts val="500"/>
+              </a:spcBef>
+              <a:buFont typeface="Arial" panose="020B0604020202020204" pitchFamily="34" charset="0"/>
+              <a:buChar char="•"/>
+              <a:defRPr sz="2400" kern="1200">
+                <a:solidFill>
+                  <a:schemeClr val="tx1"/>
+                </a:solidFill>
+                <a:latin typeface="+mn-lt"/>
+                <a:ea typeface="+mn-ea"/>
+                <a:cs typeface="+mn-cs"/>
+              </a:defRPr>
+            </a:lvl2pPr>
+            <a:lvl3pPr marL="1143000" indent="-228600" algn="l" defTabSz="914400" rtl="0" eaLnBrk="1" latinLnBrk="0" hangingPunct="1">
+              <a:lnSpc>
+                <a:spcPct val="90000"/>
+              </a:lnSpc>
+              <a:spcBef>
+                <a:spcPts val="500"/>
+              </a:spcBef>
+              <a:buFont typeface="Arial" panose="020B0604020202020204" pitchFamily="34" charset="0"/>
+              <a:buChar char="•"/>
+              <a:defRPr sz="2000" kern="1200">
+                <a:solidFill>
+                  <a:schemeClr val="tx1"/>
+                </a:solidFill>
+                <a:latin typeface="+mn-lt"/>
+                <a:ea typeface="+mn-ea"/>
+                <a:cs typeface="+mn-cs"/>
+              </a:defRPr>
+            </a:lvl3pPr>
+            <a:lvl4pPr marL="1600200" indent="-228600" algn="l" defTabSz="914400" rtl="0" eaLnBrk="1" latinLnBrk="0" hangingPunct="1">
+              <a:lnSpc>
+                <a:spcPct val="90000"/>
+              </a:lnSpc>
+              <a:spcBef>
+                <a:spcPts val="500"/>
+              </a:spcBef>
+              <a:buFont typeface="Arial" panose="020B0604020202020204" pitchFamily="34" charset="0"/>
+              <a:buChar char="•"/>
+              <a:defRPr sz="1800" kern="1200">
+                <a:solidFill>
+                  <a:schemeClr val="tx1"/>
+                </a:solidFill>
+                <a:latin typeface="+mn-lt"/>
+                <a:ea typeface="+mn-ea"/>
+                <a:cs typeface="+mn-cs"/>
+              </a:defRPr>
+            </a:lvl4pPr>
+            <a:lvl5pPr marL="2057400" indent="-228600" algn="l" defTabSz="914400" rtl="0" eaLnBrk="1" latinLnBrk="0" hangingPunct="1">
+              <a:lnSpc>
+                <a:spcPct val="90000"/>
+              </a:lnSpc>
+              <a:spcBef>
+                <a:spcPts val="500"/>
+              </a:spcBef>
+              <a:buFont typeface="Arial" panose="020B0604020202020204" pitchFamily="34" charset="0"/>
+              <a:buChar char="•"/>
+              <a:defRPr sz="1800" kern="1200">
+                <a:solidFill>
+                  <a:schemeClr val="tx1"/>
+                </a:solidFill>
+                <a:latin typeface="+mn-lt"/>
+                <a:ea typeface="+mn-ea"/>
+                <a:cs typeface="+mn-cs"/>
+              </a:defRPr>
+            </a:lvl5pPr>
+            <a:lvl6pPr marL="2514600" indent="-228600" algn="l" defTabSz="914400" rtl="0" eaLnBrk="1" latinLnBrk="0" hangingPunct="1">
+              <a:lnSpc>
+                <a:spcPct val="90000"/>
+              </a:lnSpc>
+              <a:spcBef>
+                <a:spcPts val="500"/>
+              </a:spcBef>
+              <a:buFont typeface="Arial" panose="020B0604020202020204" pitchFamily="34" charset="0"/>
+              <a:buChar char="•"/>
+              <a:defRPr sz="1800" kern="1200">
+                <a:solidFill>
+                  <a:schemeClr val="tx1"/>
+                </a:solidFill>
+                <a:latin typeface="+mn-lt"/>
+                <a:ea typeface="+mn-ea"/>
+                <a:cs typeface="+mn-cs"/>
+              </a:defRPr>
+            </a:lvl6pPr>
+            <a:lvl7pPr marL="2971800" indent="-228600" algn="l" defTabSz="914400" rtl="0" eaLnBrk="1" latinLnBrk="0" hangingPunct="1">
+              <a:lnSpc>
+                <a:spcPct val="90000"/>
+              </a:lnSpc>
+              <a:spcBef>
+                <a:spcPts val="500"/>
+              </a:spcBef>
+              <a:buFont typeface="Arial" panose="020B0604020202020204" pitchFamily="34" charset="0"/>
+              <a:buChar char="•"/>
+              <a:defRPr sz="1800" kern="1200">
+                <a:solidFill>
+                  <a:schemeClr val="tx1"/>
+                </a:solidFill>
+                <a:latin typeface="+mn-lt"/>
+                <a:ea typeface="+mn-ea"/>
+                <a:cs typeface="+mn-cs"/>
+              </a:defRPr>
+            </a:lvl7pPr>
+            <a:lvl8pPr marL="3429000" indent="-228600" algn="l" defTabSz="914400" rtl="0" eaLnBrk="1" latinLnBrk="0" hangingPunct="1">
+              <a:lnSpc>
+                <a:spcPct val="90000"/>
+              </a:lnSpc>
+              <a:spcBef>
+                <a:spcPts val="500"/>
+              </a:spcBef>
+              <a:buFont typeface="Arial" panose="020B0604020202020204" pitchFamily="34" charset="0"/>
+              <a:buChar char="•"/>
+              <a:defRPr sz="1800" kern="1200">
+                <a:solidFill>
+                  <a:schemeClr val="tx1"/>
+                </a:solidFill>
+                <a:latin typeface="+mn-lt"/>
+                <a:ea typeface="+mn-ea"/>
+                <a:cs typeface="+mn-cs"/>
+              </a:defRPr>
+            </a:lvl8pPr>
+            <a:lvl9pPr marL="3886200" indent="-228600" algn="l" defTabSz="914400" rtl="0" eaLnBrk="1" latinLnBrk="0" hangingPunct="1">
+              <a:lnSpc>
+                <a:spcPct val="90000"/>
+              </a:lnSpc>
+              <a:spcBef>
+                <a:spcPts val="500"/>
+              </a:spcBef>
+              <a:buFont typeface="Arial" panose="020B0604020202020204" pitchFamily="34" charset="0"/>
+              <a:buChar char="•"/>
+              <a:defRPr sz="1800" kern="1200">
+                <a:solidFill>
+                  <a:schemeClr val="tx1"/>
+                </a:solidFill>
+                <a:latin typeface="+mn-lt"/>
+                <a:ea typeface="+mn-ea"/>
+                <a:cs typeface="+mn-cs"/>
+              </a:defRPr>
+            </a:lvl9pPr>
+          </a:lstStyle>
+          <a:p>
+            <a:pPr marL="0" indent="0">
+              <a:buFont typeface="Arial" panose="020B0604020202020204" pitchFamily="34" charset="0"/>
+              <a:buNone/>
+            </a:pPr>
+            <a:r>
+              <a:rPr lang="en-US" sz="2000" dirty="0" smtClean="0"/>
+              <a:t>Overlap</a:t>
+            </a:r>
+            <a:endParaRPr lang="en-US" sz="3600" dirty="0"/>
+          </a:p>
+        </p:txBody>
+      </p:sp>
+      <p:pic>
+        <p:nvPicPr>
+          <p:cNvPr id="19" name="Picture 7"/>
+          <p:cNvPicPr>
+            <a:picLocks noChangeAspect="1"/>
+          </p:cNvPicPr>
+          <p:nvPr/>
+        </p:nvPicPr>
+        <p:blipFill>
+          <a:blip r:embed="rId3">
+            <a:extLst>
+              <a:ext uri="{28A0092B-C50C-407E-A947-70E740481C1C}">
+                <a14:useLocalDpi xmlns:a14="http://schemas.microsoft.com/office/drawing/2010/main" val="0"/>
+              </a:ext>
+            </a:extLst>
+          </a:blip>
+          <a:stretch>
+            <a:fillRect/>
+          </a:stretch>
+        </p:blipFill>
+        <p:spPr>
+          <a:xfrm>
+            <a:off x="5330759" y="6004755"/>
+            <a:ext cx="6792075" cy="623762"/>
+          </a:xfrm>
+          <a:prstGeom prst="rect">
+            <a:avLst/>
+          </a:prstGeom>
+        </p:spPr>
+      </p:pic>
+      <p:pic>
+        <p:nvPicPr>
+          <p:cNvPr id="20" name="Picture 9"/>
+          <p:cNvPicPr>
+            <a:picLocks noChangeAspect="1"/>
+          </p:cNvPicPr>
+          <p:nvPr/>
+        </p:nvPicPr>
+        <p:blipFill>
+          <a:blip r:embed="rId4">
+            <a:extLst>
+              <a:ext uri="{28A0092B-C50C-407E-A947-70E740481C1C}">
+                <a14:useLocalDpi xmlns:a14="http://schemas.microsoft.com/office/drawing/2010/main" val="0"/>
+              </a:ext>
+            </a:extLst>
+          </a:blip>
+          <a:stretch>
+            <a:fillRect/>
+          </a:stretch>
+        </p:blipFill>
+        <p:spPr>
+          <a:xfrm>
+            <a:off x="5328802" y="4709188"/>
+            <a:ext cx="6808875" cy="625305"/>
+          </a:xfrm>
+          <a:prstGeom prst="rect">
+            <a:avLst/>
+          </a:prstGeom>
+        </p:spPr>
+      </p:pic>
     </p:spTree>
     <p:extLst>
       <p:ext uri="{BB962C8B-B14F-4D97-AF65-F5344CB8AC3E}">
@@ -4135,6 +5643,9 @@
   <p:clrMapOvr>
     <a:masterClrMapping/>
   </p:clrMapOvr>
+  <p:transition spd="slow">
+    <p:push dir="u"/>
+  </p:transition>
   <p:timing>
     <p:tnLst>
       <p:par>
@@ -4200,6 +5711,9 @@
   <p:clrMapOvr>
     <a:masterClrMapping/>
   </p:clrMapOvr>
+  <p:transition spd="slow">
+    <p:push dir="u"/>
+  </p:transition>
   <p:timing>
     <p:tnLst>
       <p:par>
@@ -4260,29 +5774,574 @@
             <p:ph idx="1"/>
           </p:nvPr>
         </p:nvSpPr>
-        <p:spPr/>
-        <p:txBody>
-          <a:bodyPr/>
+        <p:spPr>
+          <a:xfrm>
+            <a:off x="571982" y="1360193"/>
+            <a:ext cx="10515600" cy="4351338"/>
+          </a:xfrm>
+        </p:spPr>
+        <p:txBody>
+          <a:bodyPr>
+            <a:normAutofit/>
+          </a:bodyPr>
           <a:lstStyle/>
           <a:p>
             <a:r>
-              <a:rPr lang="en-US" altLang="zh-TW" dirty="0" smtClean="0"/>
-              <a:t>Chip area:</a:t>
-            </a:r>
-            <a:endParaRPr lang="en-US" altLang="zh-TW" dirty="0"/>
-          </a:p>
-          <a:p>
-            <a:r>
-              <a:rPr lang="en-US" altLang="zh-TW" dirty="0" smtClean="0"/>
-              <a:t>Utility:</a:t>
-            </a:r>
-          </a:p>
-          <a:p>
-            <a:r>
-              <a:rPr lang="en-US" altLang="zh-TW" dirty="0" smtClean="0"/>
-              <a:t>Function block location:</a:t>
+              <a:rPr lang="en-US" altLang="zh-TW" sz="2400" dirty="0" smtClean="0"/>
+              <a:t>Core </a:t>
+            </a:r>
+            <a:r>
+              <a:rPr lang="en-US" altLang="zh-TW" sz="2400" dirty="0" smtClean="0"/>
+              <a:t>area</a:t>
+            </a:r>
+            <a:r>
+              <a:rPr lang="en-US" altLang="zh-TW" sz="2400" dirty="0" smtClean="0"/>
+              <a:t>: </a:t>
+            </a:r>
+          </a:p>
+          <a:p>
+            <a:pPr marL="0" indent="0">
+              <a:buNone/>
+            </a:pPr>
+            <a:r>
+              <a:rPr lang="en-US" altLang="zh-TW" sz="2400" dirty="0" smtClean="0"/>
+              <a:t>    397.393 * 396.200 = </a:t>
+            </a:r>
+            <a:r>
+              <a:rPr lang="en-US" altLang="zh-TW" sz="2400" dirty="0" smtClean="0">
+                <a:solidFill>
+                  <a:srgbClr val="FF0000"/>
+                </a:solidFill>
+              </a:rPr>
+              <a:t>157447.1066</a:t>
+            </a:r>
+            <a:r>
+              <a:rPr lang="en-US" altLang="zh-TW" sz="2400" dirty="0" smtClean="0"/>
+              <a:t> um</a:t>
+            </a:r>
+            <a:r>
+              <a:rPr lang="en-US" altLang="zh-TW" sz="2400" baseline="30000" dirty="0" smtClean="0"/>
+              <a:t>2</a:t>
+            </a:r>
+          </a:p>
+          <a:p>
+            <a:r>
+              <a:rPr lang="en-US" altLang="zh-TW" sz="2400" dirty="0" smtClean="0"/>
+              <a:t>Core area</a:t>
+            </a:r>
+            <a:r>
+              <a:rPr lang="en-US" altLang="zh-TW" sz="2400" dirty="0" smtClean="0"/>
+              <a:t>: </a:t>
+            </a:r>
+            <a:r>
+              <a:rPr lang="en-US" altLang="zh-TW" sz="2400" dirty="0" smtClean="0">
+                <a:solidFill>
+                  <a:srgbClr val="FF0000"/>
+                </a:solidFill>
+              </a:rPr>
+              <a:t>88755.872684</a:t>
+            </a:r>
+            <a:r>
+              <a:rPr lang="en-US" altLang="zh-TW" sz="2400" dirty="0" smtClean="0"/>
+              <a:t> um</a:t>
+            </a:r>
+            <a:r>
+              <a:rPr lang="en-US" altLang="zh-TW" sz="2400" baseline="30000" dirty="0" smtClean="0"/>
+              <a:t>2</a:t>
+            </a:r>
+            <a:endParaRPr lang="en-US" altLang="zh-TW" sz="2400" dirty="0" smtClean="0"/>
+          </a:p>
+          <a:p>
+            <a:r>
+              <a:rPr lang="en-US" altLang="zh-TW" sz="2400" dirty="0" smtClean="0"/>
+              <a:t>Utility: </a:t>
+            </a:r>
+            <a:r>
+              <a:rPr lang="en-US" altLang="zh-TW" sz="2400" dirty="0" smtClean="0">
+                <a:solidFill>
+                  <a:srgbClr val="FF0000"/>
+                </a:solidFill>
+              </a:rPr>
+              <a:t>56.37</a:t>
+            </a:r>
+            <a:r>
+              <a:rPr lang="en-US" altLang="zh-TW" sz="2400" dirty="0" smtClean="0"/>
+              <a:t>%</a:t>
+            </a:r>
+          </a:p>
+        </p:txBody>
+      </p:sp>
+      <p:pic>
+        <p:nvPicPr>
+          <p:cNvPr id="5" name="圖片 4"/>
+          <p:cNvPicPr>
+            <a:picLocks noChangeAspect="1"/>
+          </p:cNvPicPr>
+          <p:nvPr/>
+        </p:nvPicPr>
+        <p:blipFill>
+          <a:blip r:embed="rId3">
+            <a:extLst>
+              <a:ext uri="{28A0092B-C50C-407E-A947-70E740481C1C}">
+                <a14:useLocalDpi xmlns:a14="http://schemas.microsoft.com/office/drawing/2010/main" val="0"/>
+              </a:ext>
+            </a:extLst>
+          </a:blip>
+          <a:stretch>
+            <a:fillRect/>
+          </a:stretch>
+        </p:blipFill>
+        <p:spPr>
+          <a:xfrm>
+            <a:off x="5728181" y="929826"/>
+            <a:ext cx="6363833" cy="5735134"/>
+          </a:xfrm>
+          <a:prstGeom prst="rect">
+            <a:avLst/>
+          </a:prstGeom>
+        </p:spPr>
+      </p:pic>
+      <p:sp>
+        <p:nvSpPr>
+          <p:cNvPr id="6" name="矩形 5"/>
+          <p:cNvSpPr/>
+          <p:nvPr/>
+        </p:nvSpPr>
+        <p:spPr>
+          <a:xfrm>
+            <a:off x="6289040" y="1209040"/>
+            <a:ext cx="2743200" cy="1046349"/>
+          </a:xfrm>
+          <a:prstGeom prst="rect">
+            <a:avLst/>
+          </a:prstGeom>
+          <a:solidFill>
+            <a:schemeClr val="accent2">
+              <a:alpha val="77000"/>
+            </a:schemeClr>
+          </a:solidFill>
+          <a:ln>
+            <a:noFill/>
+          </a:ln>
+        </p:spPr>
+        <p:style>
+          <a:lnRef idx="2">
+            <a:schemeClr val="accent2">
+              <a:shade val="50000"/>
+            </a:schemeClr>
+          </a:lnRef>
+          <a:fillRef idx="1">
+            <a:schemeClr val="accent2"/>
+          </a:fillRef>
+          <a:effectRef idx="0">
+            <a:schemeClr val="accent2"/>
+          </a:effectRef>
+          <a:fontRef idx="minor">
+            <a:schemeClr val="lt1"/>
+          </a:fontRef>
+        </p:style>
+        <p:txBody>
+          <a:bodyPr rtlCol="0" anchor="ctr"/>
+          <a:lstStyle/>
+          <a:p>
+            <a:pPr algn="ctr"/>
+            <a:r>
+              <a:rPr lang="en-US" altLang="zh-TW" dirty="0" err="1" smtClean="0"/>
+              <a:t>CONV_control</a:t>
             </a:r>
             <a:endParaRPr lang="zh-TW" altLang="en-US" dirty="0"/>
+          </a:p>
+        </p:txBody>
+      </p:sp>
+      <p:sp>
+        <p:nvSpPr>
+          <p:cNvPr id="7" name="矩形 6"/>
+          <p:cNvSpPr/>
+          <p:nvPr/>
+        </p:nvSpPr>
+        <p:spPr>
+          <a:xfrm>
+            <a:off x="6289040" y="5994400"/>
+            <a:ext cx="3840480" cy="391458"/>
+          </a:xfrm>
+          <a:prstGeom prst="rect">
+            <a:avLst/>
+          </a:prstGeom>
+          <a:solidFill>
+            <a:srgbClr val="FF0000">
+              <a:alpha val="77000"/>
+            </a:srgbClr>
+          </a:solidFill>
+          <a:ln>
+            <a:noFill/>
+          </a:ln>
+        </p:spPr>
+        <p:style>
+          <a:lnRef idx="2">
+            <a:schemeClr val="accent2">
+              <a:shade val="50000"/>
+            </a:schemeClr>
+          </a:lnRef>
+          <a:fillRef idx="1">
+            <a:schemeClr val="accent2"/>
+          </a:fillRef>
+          <a:effectRef idx="0">
+            <a:schemeClr val="accent2"/>
+          </a:effectRef>
+          <a:fontRef idx="minor">
+            <a:schemeClr val="lt1"/>
+          </a:fontRef>
+        </p:style>
+        <p:txBody>
+          <a:bodyPr rtlCol="0" anchor="ctr"/>
+          <a:lstStyle/>
+          <a:p>
+            <a:pPr algn="ctr"/>
+            <a:r>
+              <a:rPr lang="en-US" altLang="zh-TW" dirty="0" err="1" smtClean="0"/>
+              <a:t>CONV_datareg</a:t>
+            </a:r>
+            <a:endParaRPr lang="zh-TW" altLang="en-US" dirty="0"/>
+          </a:p>
+        </p:txBody>
+      </p:sp>
+      <p:sp>
+        <p:nvSpPr>
+          <p:cNvPr id="8" name="矩形 7"/>
+          <p:cNvSpPr/>
+          <p:nvPr/>
+        </p:nvSpPr>
+        <p:spPr>
+          <a:xfrm>
+            <a:off x="6289040" y="2255389"/>
+            <a:ext cx="609600" cy="674327"/>
+          </a:xfrm>
+          <a:prstGeom prst="rect">
+            <a:avLst/>
+          </a:prstGeom>
+          <a:solidFill>
+            <a:schemeClr val="accent2">
+              <a:alpha val="77000"/>
+            </a:schemeClr>
+          </a:solidFill>
+          <a:ln>
+            <a:noFill/>
+          </a:ln>
+        </p:spPr>
+        <p:style>
+          <a:lnRef idx="2">
+            <a:schemeClr val="accent2">
+              <a:shade val="50000"/>
+            </a:schemeClr>
+          </a:lnRef>
+          <a:fillRef idx="1">
+            <a:schemeClr val="accent2"/>
+          </a:fillRef>
+          <a:effectRef idx="0">
+            <a:schemeClr val="accent2"/>
+          </a:effectRef>
+          <a:fontRef idx="minor">
+            <a:schemeClr val="lt1"/>
+          </a:fontRef>
+        </p:style>
+        <p:txBody>
+          <a:bodyPr rtlCol="0" anchor="ctr"/>
+          <a:lstStyle/>
+          <a:p>
+            <a:pPr algn="ctr"/>
+            <a:endParaRPr lang="zh-TW" altLang="en-US" dirty="0"/>
+          </a:p>
+        </p:txBody>
+      </p:sp>
+      <p:sp>
+        <p:nvSpPr>
+          <p:cNvPr id="9" name="矩形 8"/>
+          <p:cNvSpPr/>
+          <p:nvPr/>
+        </p:nvSpPr>
+        <p:spPr>
+          <a:xfrm>
+            <a:off x="6289040" y="3982721"/>
+            <a:ext cx="609600" cy="2011680"/>
+          </a:xfrm>
+          <a:prstGeom prst="rect">
+            <a:avLst/>
+          </a:prstGeom>
+          <a:solidFill>
+            <a:srgbClr val="FF0000">
+              <a:alpha val="77000"/>
+            </a:srgbClr>
+          </a:solidFill>
+          <a:ln>
+            <a:noFill/>
+          </a:ln>
+        </p:spPr>
+        <p:style>
+          <a:lnRef idx="2">
+            <a:schemeClr val="accent2">
+              <a:shade val="50000"/>
+            </a:schemeClr>
+          </a:lnRef>
+          <a:fillRef idx="1">
+            <a:schemeClr val="accent2"/>
+          </a:fillRef>
+          <a:effectRef idx="0">
+            <a:schemeClr val="accent2"/>
+          </a:effectRef>
+          <a:fontRef idx="minor">
+            <a:schemeClr val="lt1"/>
+          </a:fontRef>
+        </p:style>
+        <p:txBody>
+          <a:bodyPr rtlCol="0" anchor="ctr"/>
+          <a:lstStyle/>
+          <a:p>
+            <a:pPr algn="ctr"/>
+            <a:endParaRPr lang="zh-TW" altLang="en-US" dirty="0"/>
+          </a:p>
+        </p:txBody>
+      </p:sp>
+      <p:sp>
+        <p:nvSpPr>
+          <p:cNvPr id="10" name="矩形 9"/>
+          <p:cNvSpPr/>
+          <p:nvPr/>
+        </p:nvSpPr>
+        <p:spPr>
+          <a:xfrm>
+            <a:off x="6898640" y="2255389"/>
+            <a:ext cx="3403600" cy="3739010"/>
+          </a:xfrm>
+          <a:prstGeom prst="rect">
+            <a:avLst/>
+          </a:prstGeom>
+          <a:solidFill>
+            <a:srgbClr val="FFFF00">
+              <a:alpha val="77000"/>
+            </a:srgbClr>
+          </a:solidFill>
+          <a:ln>
+            <a:noFill/>
+          </a:ln>
+        </p:spPr>
+        <p:style>
+          <a:lnRef idx="2">
+            <a:schemeClr val="accent2">
+              <a:shade val="50000"/>
+            </a:schemeClr>
+          </a:lnRef>
+          <a:fillRef idx="1">
+            <a:schemeClr val="accent2"/>
+          </a:fillRef>
+          <a:effectRef idx="0">
+            <a:schemeClr val="accent2"/>
+          </a:effectRef>
+          <a:fontRef idx="minor">
+            <a:schemeClr val="lt1"/>
+          </a:fontRef>
+        </p:style>
+        <p:txBody>
+          <a:bodyPr rtlCol="0" anchor="ctr"/>
+          <a:lstStyle/>
+          <a:p>
+            <a:pPr algn="ctr"/>
+            <a:r>
+              <a:rPr lang="en-US" altLang="zh-TW" dirty="0" err="1" smtClean="0">
+                <a:solidFill>
+                  <a:srgbClr val="002060"/>
+                </a:solidFill>
+              </a:rPr>
+              <a:t>CONV_multiple_compare</a:t>
+            </a:r>
+            <a:endParaRPr lang="zh-TW" altLang="en-US" dirty="0">
+              <a:solidFill>
+                <a:srgbClr val="002060"/>
+              </a:solidFill>
+            </a:endParaRPr>
+          </a:p>
+        </p:txBody>
+      </p:sp>
+      <p:sp>
+        <p:nvSpPr>
+          <p:cNvPr id="11" name="矩形 10"/>
+          <p:cNvSpPr/>
+          <p:nvPr/>
+        </p:nvSpPr>
+        <p:spPr>
+          <a:xfrm>
+            <a:off x="9032240" y="1209038"/>
+            <a:ext cx="1270000" cy="1046349"/>
+          </a:xfrm>
+          <a:prstGeom prst="rect">
+            <a:avLst/>
+          </a:prstGeom>
+          <a:solidFill>
+            <a:schemeClr val="accent5">
+              <a:alpha val="77000"/>
+            </a:schemeClr>
+          </a:solidFill>
+          <a:ln>
+            <a:noFill/>
+          </a:ln>
+        </p:spPr>
+        <p:style>
+          <a:lnRef idx="2">
+            <a:schemeClr val="accent2">
+              <a:shade val="50000"/>
+            </a:schemeClr>
+          </a:lnRef>
+          <a:fillRef idx="1">
+            <a:schemeClr val="accent2"/>
+          </a:fillRef>
+          <a:effectRef idx="0">
+            <a:schemeClr val="accent2"/>
+          </a:effectRef>
+          <a:fontRef idx="minor">
+            <a:schemeClr val="lt1"/>
+          </a:fontRef>
+        </p:style>
+        <p:txBody>
+          <a:bodyPr rtlCol="0" anchor="ctr"/>
+          <a:lstStyle/>
+          <a:p>
+            <a:pPr algn="ctr"/>
+            <a:r>
+              <a:rPr lang="en-US" altLang="zh-TW" dirty="0" err="1" smtClean="0"/>
+              <a:t>FC_control</a:t>
+            </a:r>
+            <a:endParaRPr lang="zh-TW" altLang="en-US" dirty="0"/>
+          </a:p>
+        </p:txBody>
+      </p:sp>
+      <p:sp>
+        <p:nvSpPr>
+          <p:cNvPr id="12" name="矩形 11"/>
+          <p:cNvSpPr/>
+          <p:nvPr/>
+        </p:nvSpPr>
+        <p:spPr>
+          <a:xfrm>
+            <a:off x="10407520" y="4287520"/>
+            <a:ext cx="1008639" cy="1575164"/>
+          </a:xfrm>
+          <a:prstGeom prst="rect">
+            <a:avLst/>
+          </a:prstGeom>
+          <a:solidFill>
+            <a:schemeClr val="accent2">
+              <a:lumMod val="75000"/>
+              <a:alpha val="77000"/>
+            </a:schemeClr>
+          </a:solidFill>
+          <a:ln>
+            <a:noFill/>
+          </a:ln>
+        </p:spPr>
+        <p:style>
+          <a:lnRef idx="2">
+            <a:schemeClr val="accent2">
+              <a:shade val="50000"/>
+            </a:schemeClr>
+          </a:lnRef>
+          <a:fillRef idx="1">
+            <a:schemeClr val="accent2"/>
+          </a:fillRef>
+          <a:effectRef idx="0">
+            <a:schemeClr val="accent2"/>
+          </a:effectRef>
+          <a:fontRef idx="minor">
+            <a:schemeClr val="lt1"/>
+          </a:fontRef>
+        </p:style>
+        <p:txBody>
+          <a:bodyPr rtlCol="0" anchor="ctr"/>
+          <a:lstStyle/>
+          <a:p>
+            <a:pPr algn="ctr"/>
+            <a:r>
+              <a:rPr lang="en-US" altLang="zh-TW" sz="1200" dirty="0" err="1" smtClean="0">
+                <a:solidFill>
+                  <a:srgbClr val="002060"/>
+                </a:solidFill>
+              </a:rPr>
+              <a:t>FC_multiple_accumlator</a:t>
+            </a:r>
+            <a:endParaRPr lang="zh-TW" altLang="en-US" sz="1200" dirty="0">
+              <a:solidFill>
+                <a:srgbClr val="002060"/>
+              </a:solidFill>
+            </a:endParaRPr>
+          </a:p>
+        </p:txBody>
+      </p:sp>
+      <p:sp>
+        <p:nvSpPr>
+          <p:cNvPr id="13" name="矩形 12"/>
+          <p:cNvSpPr/>
+          <p:nvPr/>
+        </p:nvSpPr>
+        <p:spPr>
+          <a:xfrm>
+            <a:off x="10366621" y="1435702"/>
+            <a:ext cx="1049538" cy="1569523"/>
+          </a:xfrm>
+          <a:prstGeom prst="rect">
+            <a:avLst/>
+          </a:prstGeom>
+          <a:solidFill>
+            <a:srgbClr val="92D050">
+              <a:alpha val="77000"/>
+            </a:srgbClr>
+          </a:solidFill>
+          <a:ln>
+            <a:noFill/>
+          </a:ln>
+        </p:spPr>
+        <p:style>
+          <a:lnRef idx="2">
+            <a:schemeClr val="accent2">
+              <a:shade val="50000"/>
+            </a:schemeClr>
+          </a:lnRef>
+          <a:fillRef idx="1">
+            <a:schemeClr val="accent2"/>
+          </a:fillRef>
+          <a:effectRef idx="0">
+            <a:schemeClr val="accent2"/>
+          </a:effectRef>
+          <a:fontRef idx="minor">
+            <a:schemeClr val="lt1"/>
+          </a:fontRef>
+        </p:style>
+        <p:txBody>
+          <a:bodyPr rtlCol="0" anchor="ctr"/>
+          <a:lstStyle/>
+          <a:p>
+            <a:pPr algn="ctr"/>
+            <a:r>
+              <a:rPr lang="en-US" altLang="zh-TW" sz="1200" dirty="0" smtClean="0">
+                <a:solidFill>
+                  <a:srgbClr val="002060"/>
+                </a:solidFill>
+              </a:rPr>
+              <a:t>Quantize</a:t>
+            </a:r>
+          </a:p>
+          <a:p>
+            <a:pPr algn="ctr"/>
+            <a:r>
+              <a:rPr lang="en-US" altLang="zh-TW" sz="1200" dirty="0" smtClean="0">
+                <a:solidFill>
+                  <a:srgbClr val="002060"/>
+                </a:solidFill>
+              </a:rPr>
+              <a:t>CONV + FC</a:t>
+            </a:r>
+            <a:endParaRPr lang="zh-TW" altLang="en-US" sz="1200" dirty="0">
+              <a:solidFill>
+                <a:srgbClr val="002060"/>
+              </a:solidFill>
+            </a:endParaRPr>
           </a:p>
         </p:txBody>
       </p:sp>
@@ -4296,12 +6355,346 @@
   <p:clrMapOvr>
     <a:masterClrMapping/>
   </p:clrMapOvr>
+  <p:transition spd="slow">
+    <p:push dir="u"/>
+  </p:transition>
   <p:timing>
     <p:tnLst>
       <p:par>
-        <p:cTn id="1" dur="indefinite" restart="never" nodeType="tmRoot"/>
+        <p:cTn id="1" dur="indefinite" restart="never" nodeType="tmRoot">
+          <p:childTnLst>
+            <p:seq concurrent="1" nextAc="seek">
+              <p:cTn id="2" dur="indefinite" nodeType="mainSeq">
+                <p:childTnLst>
+                  <p:par>
+                    <p:cTn id="3" fill="hold">
+                      <p:stCondLst>
+                        <p:cond delay="indefinite"/>
+                      </p:stCondLst>
+                      <p:childTnLst>
+                        <p:par>
+                          <p:cTn id="4" fill="hold">
+                            <p:stCondLst>
+                              <p:cond delay="0"/>
+                            </p:stCondLst>
+                            <p:childTnLst>
+                              <p:par>
+                                <p:cTn id="5" presetID="10" presetClass="entr" presetSubtype="0" fill="hold" grpId="0" nodeType="clickEffect">
+                                  <p:stCondLst>
+                                    <p:cond delay="0"/>
+                                  </p:stCondLst>
+                                  <p:childTnLst>
+                                    <p:set>
+                                      <p:cBhvr>
+                                        <p:cTn id="6" dur="1" fill="hold">
+                                          <p:stCondLst>
+                                            <p:cond delay="0"/>
+                                          </p:stCondLst>
+                                        </p:cTn>
+                                        <p:tgtEl>
+                                          <p:spTgt spid="10"/>
+                                        </p:tgtEl>
+                                        <p:attrNameLst>
+                                          <p:attrName>style.visibility</p:attrName>
+                                        </p:attrNameLst>
+                                      </p:cBhvr>
+                                      <p:to>
+                                        <p:strVal val="visible"/>
+                                      </p:to>
+                                    </p:set>
+                                    <p:animEffect transition="in" filter="fade">
+                                      <p:cBhvr>
+                                        <p:cTn id="7" dur="500"/>
+                                        <p:tgtEl>
+                                          <p:spTgt spid="10"/>
+                                        </p:tgtEl>
+                                      </p:cBhvr>
+                                    </p:animEffect>
+                                  </p:childTnLst>
+                                </p:cTn>
+                              </p:par>
+                              <p:par>
+                                <p:cTn id="8" presetID="10" presetClass="entr" presetSubtype="0" fill="hold" grpId="0" nodeType="withEffect">
+                                  <p:stCondLst>
+                                    <p:cond delay="0"/>
+                                  </p:stCondLst>
+                                  <p:childTnLst>
+                                    <p:set>
+                                      <p:cBhvr>
+                                        <p:cTn id="9" dur="1" fill="hold">
+                                          <p:stCondLst>
+                                            <p:cond delay="0"/>
+                                          </p:stCondLst>
+                                        </p:cTn>
+                                        <p:tgtEl>
+                                          <p:spTgt spid="12"/>
+                                        </p:tgtEl>
+                                        <p:attrNameLst>
+                                          <p:attrName>style.visibility</p:attrName>
+                                        </p:attrNameLst>
+                                      </p:cBhvr>
+                                      <p:to>
+                                        <p:strVal val="visible"/>
+                                      </p:to>
+                                    </p:set>
+                                    <p:animEffect transition="in" filter="fade">
+                                      <p:cBhvr>
+                                        <p:cTn id="10" dur="500"/>
+                                        <p:tgtEl>
+                                          <p:spTgt spid="12"/>
+                                        </p:tgtEl>
+                                      </p:cBhvr>
+                                    </p:animEffect>
+                                  </p:childTnLst>
+                                </p:cTn>
+                              </p:par>
+                              <p:par>
+                                <p:cTn id="11" presetID="10" presetClass="entr" presetSubtype="0" fill="hold" grpId="0" nodeType="withEffect">
+                                  <p:stCondLst>
+                                    <p:cond delay="0"/>
+                                  </p:stCondLst>
+                                  <p:childTnLst>
+                                    <p:set>
+                                      <p:cBhvr>
+                                        <p:cTn id="12" dur="1" fill="hold">
+                                          <p:stCondLst>
+                                            <p:cond delay="0"/>
+                                          </p:stCondLst>
+                                        </p:cTn>
+                                        <p:tgtEl>
+                                          <p:spTgt spid="7"/>
+                                        </p:tgtEl>
+                                        <p:attrNameLst>
+                                          <p:attrName>style.visibility</p:attrName>
+                                        </p:attrNameLst>
+                                      </p:cBhvr>
+                                      <p:to>
+                                        <p:strVal val="visible"/>
+                                      </p:to>
+                                    </p:set>
+                                    <p:animEffect transition="in" filter="fade">
+                                      <p:cBhvr>
+                                        <p:cTn id="13" dur="500"/>
+                                        <p:tgtEl>
+                                          <p:spTgt spid="7"/>
+                                        </p:tgtEl>
+                                      </p:cBhvr>
+                                    </p:animEffect>
+                                  </p:childTnLst>
+                                </p:cTn>
+                              </p:par>
+                              <p:par>
+                                <p:cTn id="14" presetID="10" presetClass="entr" presetSubtype="0" fill="hold" grpId="0" nodeType="withEffect">
+                                  <p:stCondLst>
+                                    <p:cond delay="0"/>
+                                  </p:stCondLst>
+                                  <p:childTnLst>
+                                    <p:set>
+                                      <p:cBhvr>
+                                        <p:cTn id="15" dur="1" fill="hold">
+                                          <p:stCondLst>
+                                            <p:cond delay="0"/>
+                                          </p:stCondLst>
+                                        </p:cTn>
+                                        <p:tgtEl>
+                                          <p:spTgt spid="9"/>
+                                        </p:tgtEl>
+                                        <p:attrNameLst>
+                                          <p:attrName>style.visibility</p:attrName>
+                                        </p:attrNameLst>
+                                      </p:cBhvr>
+                                      <p:to>
+                                        <p:strVal val="visible"/>
+                                      </p:to>
+                                    </p:set>
+                                    <p:animEffect transition="in" filter="fade">
+                                      <p:cBhvr>
+                                        <p:cTn id="16" dur="500"/>
+                                        <p:tgtEl>
+                                          <p:spTgt spid="9"/>
+                                        </p:tgtEl>
+                                      </p:cBhvr>
+                                    </p:animEffect>
+                                  </p:childTnLst>
+                                </p:cTn>
+                              </p:par>
+                              <p:par>
+                                <p:cTn id="17" presetID="10" presetClass="entr" presetSubtype="0" fill="hold" grpId="0" nodeType="withEffect">
+                                  <p:stCondLst>
+                                    <p:cond delay="0"/>
+                                  </p:stCondLst>
+                                  <p:childTnLst>
+                                    <p:set>
+                                      <p:cBhvr>
+                                        <p:cTn id="18" dur="1" fill="hold">
+                                          <p:stCondLst>
+                                            <p:cond delay="0"/>
+                                          </p:stCondLst>
+                                        </p:cTn>
+                                        <p:tgtEl>
+                                          <p:spTgt spid="8"/>
+                                        </p:tgtEl>
+                                        <p:attrNameLst>
+                                          <p:attrName>style.visibility</p:attrName>
+                                        </p:attrNameLst>
+                                      </p:cBhvr>
+                                      <p:to>
+                                        <p:strVal val="visible"/>
+                                      </p:to>
+                                    </p:set>
+                                    <p:animEffect transition="in" filter="fade">
+                                      <p:cBhvr>
+                                        <p:cTn id="19" dur="500"/>
+                                        <p:tgtEl>
+                                          <p:spTgt spid="8"/>
+                                        </p:tgtEl>
+                                      </p:cBhvr>
+                                    </p:animEffect>
+                                  </p:childTnLst>
+                                </p:cTn>
+                              </p:par>
+                              <p:par>
+                                <p:cTn id="20" presetID="10" presetClass="entr" presetSubtype="0" fill="hold" grpId="0" nodeType="withEffect">
+                                  <p:stCondLst>
+                                    <p:cond delay="0"/>
+                                  </p:stCondLst>
+                                  <p:childTnLst>
+                                    <p:set>
+                                      <p:cBhvr>
+                                        <p:cTn id="21" dur="1" fill="hold">
+                                          <p:stCondLst>
+                                            <p:cond delay="0"/>
+                                          </p:stCondLst>
+                                        </p:cTn>
+                                        <p:tgtEl>
+                                          <p:spTgt spid="6"/>
+                                        </p:tgtEl>
+                                        <p:attrNameLst>
+                                          <p:attrName>style.visibility</p:attrName>
+                                        </p:attrNameLst>
+                                      </p:cBhvr>
+                                      <p:to>
+                                        <p:strVal val="visible"/>
+                                      </p:to>
+                                    </p:set>
+                                    <p:animEffect transition="in" filter="fade">
+                                      <p:cBhvr>
+                                        <p:cTn id="22" dur="500"/>
+                                        <p:tgtEl>
+                                          <p:spTgt spid="6"/>
+                                        </p:tgtEl>
+                                      </p:cBhvr>
+                                    </p:animEffect>
+                                  </p:childTnLst>
+                                </p:cTn>
+                              </p:par>
+                              <p:par>
+                                <p:cTn id="23" presetID="10" presetClass="entr" presetSubtype="0" fill="hold" grpId="0" nodeType="withEffect">
+                                  <p:stCondLst>
+                                    <p:cond delay="0"/>
+                                  </p:stCondLst>
+                                  <p:childTnLst>
+                                    <p:set>
+                                      <p:cBhvr>
+                                        <p:cTn id="24" dur="1" fill="hold">
+                                          <p:stCondLst>
+                                            <p:cond delay="0"/>
+                                          </p:stCondLst>
+                                        </p:cTn>
+                                        <p:tgtEl>
+                                          <p:spTgt spid="13"/>
+                                        </p:tgtEl>
+                                        <p:attrNameLst>
+                                          <p:attrName>style.visibility</p:attrName>
+                                        </p:attrNameLst>
+                                      </p:cBhvr>
+                                      <p:to>
+                                        <p:strVal val="visible"/>
+                                      </p:to>
+                                    </p:set>
+                                    <p:animEffect transition="in" filter="fade">
+                                      <p:cBhvr>
+                                        <p:cTn id="25" dur="500"/>
+                                        <p:tgtEl>
+                                          <p:spTgt spid="13"/>
+                                        </p:tgtEl>
+                                      </p:cBhvr>
+                                    </p:animEffect>
+                                  </p:childTnLst>
+                                </p:cTn>
+                              </p:par>
+                              <p:par>
+                                <p:cTn id="26" presetID="10" presetClass="entr" presetSubtype="0" fill="hold" grpId="0" nodeType="withEffect">
+                                  <p:stCondLst>
+                                    <p:cond delay="0"/>
+                                  </p:stCondLst>
+                                  <p:childTnLst>
+                                    <p:set>
+                                      <p:cBhvr>
+                                        <p:cTn id="27" dur="1" fill="hold">
+                                          <p:stCondLst>
+                                            <p:cond delay="0"/>
+                                          </p:stCondLst>
+                                        </p:cTn>
+                                        <p:tgtEl>
+                                          <p:spTgt spid="11"/>
+                                        </p:tgtEl>
+                                        <p:attrNameLst>
+                                          <p:attrName>style.visibility</p:attrName>
+                                        </p:attrNameLst>
+                                      </p:cBhvr>
+                                      <p:to>
+                                        <p:strVal val="visible"/>
+                                      </p:to>
+                                    </p:set>
+                                    <p:animEffect transition="in" filter="fade">
+                                      <p:cBhvr>
+                                        <p:cTn id="28" dur="500"/>
+                                        <p:tgtEl>
+                                          <p:spTgt spid="11"/>
+                                        </p:tgtEl>
+                                      </p:cBhvr>
+                                    </p:animEffect>
+                                  </p:childTnLst>
+                                </p:cTn>
+                              </p:par>
+                            </p:childTnLst>
+                          </p:cTn>
+                        </p:par>
+                      </p:childTnLst>
+                    </p:cTn>
+                  </p:par>
+                </p:childTnLst>
+              </p:cTn>
+              <p:prevCondLst>
+                <p:cond evt="onPrev" delay="0">
+                  <p:tgtEl>
+                    <p:sldTgt/>
+                  </p:tgtEl>
+                </p:cond>
+              </p:prevCondLst>
+              <p:nextCondLst>
+                <p:cond evt="onNext" delay="0">
+                  <p:tgtEl>
+                    <p:sldTgt/>
+                  </p:tgtEl>
+                </p:cond>
+              </p:nextCondLst>
+            </p:seq>
+          </p:childTnLst>
+        </p:cTn>
       </p:par>
     </p:tnLst>
+    <p:bldLst>
+      <p:bldP spid="6" grpId="0" animBg="1"/>
+      <p:bldP spid="7" grpId="0" animBg="1"/>
+      <p:bldP spid="8" grpId="0" animBg="1"/>
+      <p:bldP spid="9" grpId="0" animBg="1"/>
+      <p:bldP spid="10" grpId="0" animBg="1"/>
+      <p:bldP spid="11" grpId="0" animBg="1"/>
+      <p:bldP spid="12" grpId="0" animBg="1"/>
+      <p:bldP spid="13" grpId="0" animBg="1"/>
+    </p:bldLst>
   </p:timing>
 </p:sld>
 </file>
@@ -4356,7 +6749,12 @@
             <p:ph idx="1"/>
           </p:nvPr>
         </p:nvSpPr>
-        <p:spPr/>
+        <p:spPr>
+          <a:xfrm>
+            <a:off x="838200" y="1408938"/>
+            <a:ext cx="10515600" cy="4351338"/>
+          </a:xfrm>
+        </p:spPr>
         <p:txBody>
           <a:bodyPr/>
           <a:lstStyle/>
@@ -4373,15 +6771,28 @@
             <a:pPr lvl="1"/>
             <a:r>
               <a:rPr lang="en-US" altLang="zh-TW" dirty="0" smtClean="0"/>
-              <a:t>Synthesis clock period: 4 ns</a:t>
+              <a:t>P&amp;R </a:t>
+            </a:r>
+            <a:r>
+              <a:rPr lang="en-US" altLang="zh-TW" dirty="0" smtClean="0"/>
+              <a:t>clock period: 4.2ns (less than 1.1</a:t>
+            </a:r>
+            <a:r>
+              <a:rPr lang="en-US" altLang="zh-TW" dirty="0"/>
+              <a:t>* Synthesis clock period </a:t>
+            </a:r>
+            <a:r>
+              <a:rPr lang="en-US" altLang="zh-TW" dirty="0" smtClean="0"/>
+              <a:t>= 4.4ns</a:t>
+            </a:r>
+            <a:r>
+              <a:rPr lang="en-US" altLang="zh-TW" dirty="0" smtClean="0"/>
+              <a:t>)</a:t>
             </a:r>
           </a:p>
           <a:p>
             <a:pPr lvl="1"/>
-            <a:r>
-              <a:rPr lang="en-US" altLang="zh-TW" dirty="0" smtClean="0"/>
-              <a:t>P&amp;R clock period: 4.2ns (less than 1.1*4 = 4.4ns)</a:t>
-            </a:r>
+            <a:endParaRPr lang="en-US" altLang="zh-TW" sz="2000" dirty="0" smtClean="0"/>
           </a:p>
           <a:p>
             <a:pPr marL="514350" indent="-514350">
@@ -4390,34 +6801,569 @@
             </a:pPr>
             <a:r>
               <a:rPr lang="en-US" altLang="zh-TW" dirty="0" smtClean="0"/>
-              <a:t>Power:</a:t>
+              <a:t>Power consumption (from ICC analysis): </a:t>
             </a:r>
           </a:p>
           <a:p>
             <a:pPr lvl="1"/>
             <a:r>
               <a:rPr lang="en-US" altLang="zh-TW" dirty="0" smtClean="0"/>
-              <a:t>P&amp;R result:</a:t>
+              <a:t>1</a:t>
+            </a:r>
+            <a:r>
+              <a:rPr lang="en-US" altLang="zh-TW" baseline="30000" dirty="0" smtClean="0"/>
+              <a:t>st</a:t>
+            </a:r>
+            <a:r>
+              <a:rPr lang="en-US" altLang="zh-TW" dirty="0" smtClean="0"/>
+              <a:t> : combinational logic circuit: 46%</a:t>
             </a:r>
           </a:p>
           <a:p>
             <a:pPr lvl="1"/>
             <a:r>
               <a:rPr lang="en-US" altLang="zh-TW" dirty="0" smtClean="0"/>
-              <a:t>Prime</a:t>
-            </a:r>
-            <a:r>
-              <a:rPr lang="zh-TW" altLang="en-US" dirty="0" smtClean="0"/>
-              <a:t> </a:t>
-            </a:r>
-            <a:r>
-              <a:rPr lang="en-US" altLang="zh-TW" smtClean="0"/>
-              <a:t>Time:</a:t>
-            </a:r>
-            <a:endParaRPr lang="en-US" altLang="zh-TW"/>
-          </a:p>
-        </p:txBody>
-      </p:sp>
+              <a:t>2</a:t>
+            </a:r>
+            <a:r>
+              <a:rPr lang="en-US" altLang="zh-TW" baseline="30000" dirty="0" smtClean="0"/>
+              <a:t>nd</a:t>
+            </a:r>
+            <a:r>
+              <a:rPr lang="en-US" altLang="zh-TW" dirty="0" smtClean="0"/>
+              <a:t>: register: 42%</a:t>
+            </a:r>
+          </a:p>
+          <a:p>
+            <a:pPr lvl="1"/>
+            <a:r>
+              <a:rPr lang="en-US" altLang="zh-TW" dirty="0" smtClean="0"/>
+              <a:t>3</a:t>
+            </a:r>
+            <a:r>
+              <a:rPr lang="en-US" altLang="zh-TW" baseline="30000" dirty="0" smtClean="0"/>
+              <a:t>rd</a:t>
+            </a:r>
+            <a:r>
+              <a:rPr lang="en-US" altLang="zh-TW" dirty="0" smtClean="0"/>
+              <a:t>: clock: 12%</a:t>
+            </a:r>
+            <a:endParaRPr lang="en-US" altLang="zh-TW" dirty="0" smtClean="0"/>
+          </a:p>
+          <a:p>
+            <a:pPr marL="0" indent="0">
+              <a:buNone/>
+            </a:pPr>
+            <a:endParaRPr lang="en-US" altLang="zh-TW" dirty="0" smtClean="0"/>
+          </a:p>
+          <a:p>
+            <a:pPr lvl="1"/>
+            <a:endParaRPr lang="en-US" altLang="zh-TW" dirty="0" smtClean="0"/>
+          </a:p>
+        </p:txBody>
+      </p:sp>
+      <p:graphicFrame>
+        <p:nvGraphicFramePr>
+          <p:cNvPr id="7" name="表格 6"/>
+          <p:cNvGraphicFramePr>
+            <a:graphicFrameLocks noGrp="1"/>
+          </p:cNvGraphicFramePr>
+          <p:nvPr>
+            <p:extLst>
+              <p:ext uri="{D42A27DB-BD31-4B8C-83A1-F6EECF244321}">
+                <p14:modId xmlns:p14="http://schemas.microsoft.com/office/powerpoint/2010/main" val="1035425825"/>
+              </p:ext>
+            </p:extLst>
+          </p:nvPr>
+        </p:nvGraphicFramePr>
+        <p:xfrm>
+          <a:off x="2032000" y="4527735"/>
+          <a:ext cx="8128000" cy="1854200"/>
+        </p:xfrm>
+        <a:graphic>
+          <a:graphicData uri="http://schemas.openxmlformats.org/drawingml/2006/table">
+            <a:tbl>
+              <a:tblPr firstRow="1" bandRow="1">
+                <a:tableStyleId>{5C22544A-7EE6-4342-B048-85BDC9FD1C3A}</a:tableStyleId>
+              </a:tblPr>
+              <a:tblGrid>
+                <a:gridCol w="1660324">
+                  <a:extLst>
+                    <a:ext uri="{9D8B030D-6E8A-4147-A177-3AD203B41FA5}">
+                      <a16:colId xmlns:a16="http://schemas.microsoft.com/office/drawing/2014/main" val="3672038856"/>
+                    </a:ext>
+                  </a:extLst>
+                </a:gridCol>
+                <a:gridCol w="1296364">
+                  <a:extLst>
+                    <a:ext uri="{9D8B030D-6E8A-4147-A177-3AD203B41FA5}">
+                      <a16:colId xmlns:a16="http://schemas.microsoft.com/office/drawing/2014/main" val="16875079"/>
+                    </a:ext>
+                  </a:extLst>
+                </a:gridCol>
+                <a:gridCol w="2662178">
+                  <a:extLst>
+                    <a:ext uri="{9D8B030D-6E8A-4147-A177-3AD203B41FA5}">
+                      <a16:colId xmlns:a16="http://schemas.microsoft.com/office/drawing/2014/main" val="3380232528"/>
+                    </a:ext>
+                  </a:extLst>
+                </a:gridCol>
+                <a:gridCol w="2509134">
+                  <a:extLst>
+                    <a:ext uri="{9D8B030D-6E8A-4147-A177-3AD203B41FA5}">
+                      <a16:colId xmlns:a16="http://schemas.microsoft.com/office/drawing/2014/main" val="1589195724"/>
+                    </a:ext>
+                  </a:extLst>
+                </a:gridCol>
+              </a:tblGrid>
+              <a:tr h="370840">
+                <a:tc gridSpan="2">
+                  <a:txBody>
+                    <a:bodyPr/>
+                    <a:lstStyle/>
+                    <a:p>
+                      <a:endParaRPr lang="zh-TW" altLang="en-US" dirty="0"/>
+                    </a:p>
+                  </a:txBody>
+                  <a:tcPr/>
+                </a:tc>
+                <a:tc hMerge="1">
+                  <a:txBody>
+                    <a:bodyPr/>
+                    <a:lstStyle/>
+                    <a:p>
+                      <a:endParaRPr lang="zh-TW" altLang="en-US"/>
+                    </a:p>
+                  </a:txBody>
+                  <a:tcPr/>
+                </a:tc>
+                <a:tc>
+                  <a:txBody>
+                    <a:bodyPr/>
+                    <a:lstStyle/>
+                    <a:p>
+                      <a:pPr algn="ctr"/>
+                      <a:r>
+                        <a:rPr lang="en-US" altLang="zh-TW" dirty="0" smtClean="0"/>
+                        <a:t>ICC analysis</a:t>
+                      </a:r>
+                      <a:endParaRPr lang="zh-TW" altLang="en-US" dirty="0"/>
+                    </a:p>
+                  </a:txBody>
+                  <a:tcPr/>
+                </a:tc>
+                <a:tc>
+                  <a:txBody>
+                    <a:bodyPr/>
+                    <a:lstStyle/>
+                    <a:p>
+                      <a:r>
+                        <a:rPr lang="en-US" altLang="zh-TW" dirty="0" smtClean="0"/>
+                        <a:t>Prime Time </a:t>
+                      </a:r>
+                      <a:r>
+                        <a:rPr lang="en-US" altLang="zh-TW" dirty="0" smtClean="0"/>
+                        <a:t>analysis</a:t>
+                      </a:r>
+                      <a:endParaRPr lang="zh-TW" altLang="en-US" dirty="0"/>
+                    </a:p>
+                  </a:txBody>
+                  <a:tcPr/>
+                </a:tc>
+                <a:extLst>
+                  <a:ext uri="{0D108BD9-81ED-4DB2-BD59-A6C34878D82A}">
+                    <a16:rowId xmlns:a16="http://schemas.microsoft.com/office/drawing/2014/main" val="4259021892"/>
+                  </a:ext>
+                </a:extLst>
+              </a:tr>
+              <a:tr h="370840">
+                <a:tc rowSpan="2">
+                  <a:txBody>
+                    <a:bodyPr/>
+                    <a:lstStyle/>
+                    <a:p>
+                      <a:pPr algn="ctr">
+                        <a:lnSpc>
+                          <a:spcPct val="200000"/>
+                        </a:lnSpc>
+                      </a:pPr>
+                      <a:r>
+                        <a:rPr lang="en-US" altLang="zh-TW" dirty="0" smtClean="0"/>
+                        <a:t>Dynamic Power</a:t>
+                      </a:r>
+                      <a:endParaRPr lang="zh-TW" altLang="en-US" dirty="0"/>
+                    </a:p>
+                  </a:txBody>
+                  <a:tcPr/>
+                </a:tc>
+                <a:tc>
+                  <a:txBody>
+                    <a:bodyPr/>
+                    <a:lstStyle/>
+                    <a:p>
+                      <a:pPr marL="0" marR="0" indent="0" algn="ctr" defTabSz="914400" rtl="0" eaLnBrk="1" fontAlgn="auto" latinLnBrk="0" hangingPunct="1">
+                        <a:lnSpc>
+                          <a:spcPct val="100000"/>
+                        </a:lnSpc>
+                        <a:spcBef>
+                          <a:spcPts val="0"/>
+                        </a:spcBef>
+                        <a:spcAft>
+                          <a:spcPts val="0"/>
+                        </a:spcAft>
+                        <a:buClrTx/>
+                        <a:buSzTx/>
+                        <a:buFontTx/>
+                        <a:buNone/>
+                        <a:tabLst/>
+                        <a:defRPr/>
+                      </a:pPr>
+                      <a:r>
+                        <a:rPr lang="en-US" altLang="zh-TW" dirty="0" smtClean="0"/>
+                        <a:t>Internal</a:t>
+                      </a:r>
+                      <a:endParaRPr lang="zh-TW" altLang="en-US" dirty="0"/>
+                    </a:p>
+                  </a:txBody>
+                  <a:tcPr/>
+                </a:tc>
+                <a:tc>
+                  <a:txBody>
+                    <a:bodyPr/>
+                    <a:lstStyle/>
+                    <a:p>
+                      <a:pPr algn="ctr"/>
+                      <a:r>
+                        <a:rPr lang="en-US" altLang="zh-TW" dirty="0" smtClean="0"/>
+                        <a:t> 3.4918 </a:t>
+                      </a:r>
+                      <a:r>
+                        <a:rPr lang="en-US" altLang="zh-TW" dirty="0" err="1" smtClean="0"/>
+                        <a:t>mW</a:t>
+                      </a:r>
+                      <a:r>
+                        <a:rPr lang="en-US" altLang="zh-TW" dirty="0" smtClean="0"/>
+                        <a:t> (54.45%)</a:t>
+                      </a:r>
+                      <a:endParaRPr lang="zh-TW" altLang="en-US" dirty="0"/>
+                    </a:p>
+                  </a:txBody>
+                  <a:tcPr/>
+                </a:tc>
+                <a:tc>
+                  <a:txBody>
+                    <a:bodyPr/>
+                    <a:lstStyle/>
+                    <a:p>
+                      <a:pPr algn="ctr"/>
+                      <a:r>
+                        <a:rPr lang="en-US" altLang="zh-TW" dirty="0" smtClean="0"/>
+                        <a:t>2.634 </a:t>
+                      </a:r>
+                      <a:r>
+                        <a:rPr lang="en-US" altLang="zh-TW" dirty="0" err="1" smtClean="0"/>
+                        <a:t>mW</a:t>
+                      </a:r>
+                      <a:r>
+                        <a:rPr lang="en-US" altLang="zh-TW" dirty="0" smtClean="0"/>
+                        <a:t> (47.13%)</a:t>
+                      </a:r>
+                      <a:endParaRPr lang="zh-TW" altLang="en-US" dirty="0"/>
+                    </a:p>
+                  </a:txBody>
+                  <a:tcPr/>
+                </a:tc>
+                <a:extLst>
+                  <a:ext uri="{0D108BD9-81ED-4DB2-BD59-A6C34878D82A}">
+                    <a16:rowId xmlns:a16="http://schemas.microsoft.com/office/drawing/2014/main" val="2111808453"/>
+                  </a:ext>
+                </a:extLst>
+              </a:tr>
+              <a:tr h="370840">
+                <a:tc vMerge="1">
+                  <a:txBody>
+                    <a:bodyPr/>
+                    <a:lstStyle/>
+                    <a:p>
+                      <a:endParaRPr lang="zh-TW" altLang="en-US" dirty="0"/>
+                    </a:p>
+                  </a:txBody>
+                  <a:tcPr/>
+                </a:tc>
+                <a:tc>
+                  <a:txBody>
+                    <a:bodyPr/>
+                    <a:lstStyle/>
+                    <a:p>
+                      <a:pPr marL="0" marR="0" indent="0" algn="ctr" defTabSz="914400" rtl="0" eaLnBrk="1" fontAlgn="auto" latinLnBrk="0" hangingPunct="1">
+                        <a:lnSpc>
+                          <a:spcPct val="100000"/>
+                        </a:lnSpc>
+                        <a:spcBef>
+                          <a:spcPts val="0"/>
+                        </a:spcBef>
+                        <a:spcAft>
+                          <a:spcPts val="0"/>
+                        </a:spcAft>
+                        <a:buClrTx/>
+                        <a:buSzTx/>
+                        <a:buFontTx/>
+                        <a:buNone/>
+                        <a:tabLst/>
+                        <a:defRPr/>
+                      </a:pPr>
+                      <a:r>
+                        <a:rPr lang="en-US" altLang="zh-TW" dirty="0" smtClean="0"/>
+                        <a:t>Switching</a:t>
+                      </a:r>
+                      <a:endParaRPr lang="zh-TW" altLang="en-US" dirty="0"/>
+                    </a:p>
+                  </a:txBody>
+                  <a:tcPr/>
+                </a:tc>
+                <a:tc>
+                  <a:txBody>
+                    <a:bodyPr/>
+                    <a:lstStyle/>
+                    <a:p>
+                      <a:pPr algn="ctr"/>
+                      <a:r>
+                        <a:rPr lang="en-US" altLang="zh-TW" dirty="0" smtClean="0"/>
+                        <a:t>1.5274 </a:t>
+                      </a:r>
+                      <a:r>
+                        <a:rPr lang="en-US" altLang="zh-TW" dirty="0" err="1" smtClean="0"/>
+                        <a:t>mW</a:t>
+                      </a:r>
+                      <a:r>
+                        <a:rPr lang="en-US" altLang="zh-TW" dirty="0" smtClean="0"/>
+                        <a:t> (23.82%)</a:t>
+                      </a:r>
+                      <a:endParaRPr lang="zh-TW" altLang="en-US" dirty="0"/>
+                    </a:p>
+                  </a:txBody>
+                  <a:tcPr/>
+                </a:tc>
+                <a:tc>
+                  <a:txBody>
+                    <a:bodyPr/>
+                    <a:lstStyle/>
+                    <a:p>
+                      <a:pPr algn="ctr"/>
+                      <a:r>
+                        <a:rPr lang="en-US" altLang="zh-TW" dirty="0" smtClean="0"/>
+                        <a:t>1.548 </a:t>
+                      </a:r>
+                      <a:r>
+                        <a:rPr lang="en-US" altLang="zh-TW" dirty="0" err="1" smtClean="0"/>
+                        <a:t>mW</a:t>
+                      </a:r>
+                      <a:r>
+                        <a:rPr lang="en-US" altLang="zh-TW" dirty="0" smtClean="0"/>
+                        <a:t> (27.70%)</a:t>
+                      </a:r>
+                      <a:endParaRPr lang="zh-TW" altLang="en-US" dirty="0"/>
+                    </a:p>
+                  </a:txBody>
+                  <a:tcPr/>
+                </a:tc>
+                <a:extLst>
+                  <a:ext uri="{0D108BD9-81ED-4DB2-BD59-A6C34878D82A}">
+                    <a16:rowId xmlns:a16="http://schemas.microsoft.com/office/drawing/2014/main" val="3022126731"/>
+                  </a:ext>
+                </a:extLst>
+              </a:tr>
+              <a:tr h="370840">
+                <a:tc gridSpan="2">
+                  <a:txBody>
+                    <a:bodyPr/>
+                    <a:lstStyle/>
+                    <a:p>
+                      <a:pPr marL="0" marR="0" indent="0" algn="l" defTabSz="914400" rtl="0" eaLnBrk="1" fontAlgn="auto" latinLnBrk="0" hangingPunct="1">
+                        <a:lnSpc>
+                          <a:spcPct val="100000"/>
+                        </a:lnSpc>
+                        <a:spcBef>
+                          <a:spcPts val="0"/>
+                        </a:spcBef>
+                        <a:spcAft>
+                          <a:spcPts val="0"/>
+                        </a:spcAft>
+                        <a:buClrTx/>
+                        <a:buSzTx/>
+                        <a:buFontTx/>
+                        <a:buNone/>
+                        <a:tabLst/>
+                        <a:defRPr/>
+                      </a:pPr>
+                      <a:r>
+                        <a:rPr lang="en-US" altLang="zh-TW" dirty="0" smtClean="0"/>
+                        <a:t>Leakage Power</a:t>
+                      </a:r>
+                      <a:endParaRPr lang="zh-TW" altLang="en-US" dirty="0" smtClean="0"/>
+                    </a:p>
+                  </a:txBody>
+                  <a:tcPr/>
+                </a:tc>
+                <a:tc hMerge="1">
+                  <a:txBody>
+                    <a:bodyPr/>
+                    <a:lstStyle/>
+                    <a:p>
+                      <a:endParaRPr lang="zh-TW" altLang="en-US"/>
+                    </a:p>
+                  </a:txBody>
+                  <a:tcPr/>
+                </a:tc>
+                <a:tc>
+                  <a:txBody>
+                    <a:bodyPr/>
+                    <a:lstStyle/>
+                    <a:p>
+                      <a:pPr algn="ctr"/>
+                      <a:r>
+                        <a:rPr lang="en-US" altLang="zh-TW" dirty="0" smtClean="0"/>
+                        <a:t>1.3933</a:t>
+                      </a:r>
+                      <a:r>
+                        <a:rPr lang="en-US" altLang="zh-TW" baseline="0" dirty="0" smtClean="0"/>
+                        <a:t> </a:t>
+                      </a:r>
+                      <a:r>
+                        <a:rPr lang="en-US" altLang="zh-TW" baseline="0" dirty="0" err="1" smtClean="0"/>
+                        <a:t>m</a:t>
+                      </a:r>
+                      <a:r>
+                        <a:rPr lang="en-US" altLang="zh-TW" dirty="0" err="1" smtClean="0"/>
+                        <a:t>W</a:t>
+                      </a:r>
+                      <a:r>
+                        <a:rPr lang="en-US" altLang="zh-TW" dirty="0" smtClean="0"/>
+                        <a:t> (21.73%)</a:t>
+                      </a:r>
+                      <a:endParaRPr lang="zh-TW" altLang="en-US" dirty="0"/>
+                    </a:p>
+                  </a:txBody>
+                  <a:tcPr/>
+                </a:tc>
+                <a:tc>
+                  <a:txBody>
+                    <a:bodyPr/>
+                    <a:lstStyle/>
+                    <a:p>
+                      <a:pPr algn="ctr"/>
+                      <a:r>
+                        <a:rPr lang="en-US" altLang="zh-TW" dirty="0" smtClean="0"/>
+                        <a:t>1.406 </a:t>
+                      </a:r>
+                      <a:r>
+                        <a:rPr lang="en-US" altLang="zh-TW" dirty="0" err="1" smtClean="0"/>
+                        <a:t>mW</a:t>
+                      </a:r>
+                      <a:r>
+                        <a:rPr lang="en-US" altLang="zh-TW" dirty="0" smtClean="0"/>
+                        <a:t> (25.17%)</a:t>
+                      </a:r>
+                      <a:endParaRPr lang="zh-TW" altLang="en-US" dirty="0"/>
+                    </a:p>
+                  </a:txBody>
+                  <a:tcPr/>
+                </a:tc>
+                <a:extLst>
+                  <a:ext uri="{0D108BD9-81ED-4DB2-BD59-A6C34878D82A}">
+                    <a16:rowId xmlns:a16="http://schemas.microsoft.com/office/drawing/2014/main" val="4268352724"/>
+                  </a:ext>
+                </a:extLst>
+              </a:tr>
+              <a:tr h="370840">
+                <a:tc gridSpan="2">
+                  <a:txBody>
+                    <a:bodyPr/>
+                    <a:lstStyle/>
+                    <a:p>
+                      <a:r>
+                        <a:rPr lang="en-US" altLang="zh-TW" dirty="0" smtClean="0"/>
+                        <a:t>Total Power</a:t>
+                      </a:r>
+                      <a:endParaRPr lang="zh-TW" altLang="en-US" dirty="0"/>
+                    </a:p>
+                  </a:txBody>
+                  <a:tcPr/>
+                </a:tc>
+                <a:tc hMerge="1">
+                  <a:txBody>
+                    <a:bodyPr/>
+                    <a:lstStyle/>
+                    <a:p>
+                      <a:endParaRPr lang="zh-TW" altLang="en-US"/>
+                    </a:p>
+                  </a:txBody>
+                  <a:tcPr/>
+                </a:tc>
+                <a:tc>
+                  <a:txBody>
+                    <a:bodyPr/>
+                    <a:lstStyle/>
+                    <a:p>
+                      <a:pPr algn="ctr"/>
+                      <a:r>
+                        <a:rPr lang="en-US" altLang="zh-TW" dirty="0" smtClean="0"/>
+                        <a:t>6.4125 </a:t>
+                      </a:r>
+                      <a:r>
+                        <a:rPr lang="en-US" altLang="zh-TW" dirty="0" err="1" smtClean="0"/>
+                        <a:t>mW</a:t>
+                      </a:r>
+                      <a:endParaRPr lang="zh-TW" altLang="en-US" dirty="0"/>
+                    </a:p>
+                  </a:txBody>
+                  <a:tcPr/>
+                </a:tc>
+                <a:tc>
+                  <a:txBody>
+                    <a:bodyPr/>
+                    <a:lstStyle/>
+                    <a:p>
+                      <a:pPr marL="0" marR="0" indent="0" algn="ctr" defTabSz="914400" rtl="0" eaLnBrk="1" fontAlgn="auto" latinLnBrk="0" hangingPunct="1">
+                        <a:lnSpc>
+                          <a:spcPct val="100000"/>
+                        </a:lnSpc>
+                        <a:spcBef>
+                          <a:spcPts val="0"/>
+                        </a:spcBef>
+                        <a:spcAft>
+                          <a:spcPts val="0"/>
+                        </a:spcAft>
+                        <a:buClrTx/>
+                        <a:buSzTx/>
+                        <a:buFontTx/>
+                        <a:buNone/>
+                        <a:tabLst/>
+                        <a:defRPr/>
+                      </a:pPr>
+                      <a:r>
+                        <a:rPr lang="en-US" altLang="zh-TW" dirty="0" smtClean="0"/>
+                        <a:t>5.589  </a:t>
+                      </a:r>
+                      <a:r>
+                        <a:rPr lang="en-US" altLang="zh-TW" dirty="0" err="1" smtClean="0"/>
+                        <a:t>mW</a:t>
+                      </a:r>
+                      <a:endParaRPr lang="zh-TW" altLang="en-US" dirty="0" smtClean="0"/>
+                    </a:p>
+                  </a:txBody>
+                  <a:tcPr/>
+                </a:tc>
+                <a:extLst>
+                  <a:ext uri="{0D108BD9-81ED-4DB2-BD59-A6C34878D82A}">
+                    <a16:rowId xmlns:a16="http://schemas.microsoft.com/office/drawing/2014/main" val="2817482528"/>
+                  </a:ext>
+                </a:extLst>
+              </a:tr>
+            </a:tbl>
+          </a:graphicData>
+        </a:graphic>
+      </p:graphicFrame>
     </p:spTree>
     <p:extLst>
       <p:ext uri="{BB962C8B-B14F-4D97-AF65-F5344CB8AC3E}">
@@ -4428,6 +7374,16 @@
   <p:clrMapOvr>
     <a:masterClrMapping/>
   </p:clrMapOvr>
+  <p:transition spd="slow">
+    <p:push dir="u"/>
+  </p:transition>
+  <p:timing>
+    <p:tnLst>
+      <p:par>
+        <p:cTn id="1" dur="indefinite" restart="never" nodeType="tmRoot"/>
+      </p:par>
+    </p:tnLst>
+  </p:timing>
 </p:sld>
 </file>
 
@@ -4494,13 +7450,76 @@
         </p:nvSpPr>
         <p:spPr/>
         <p:txBody>
-          <a:bodyPr/>
+          <a:bodyPr>
+            <a:normAutofit/>
+          </a:bodyPr>
           <a:lstStyle/>
           <a:p>
-            <a:endParaRPr lang="zh-TW" altLang="en-US"/>
-          </a:p>
-        </p:txBody>
-      </p:sp>
+            <a:r>
+              <a:rPr lang="en-US" altLang="zh-TW" sz="2400" dirty="0" smtClean="0"/>
+              <a:t>Pass DRC verification</a:t>
+            </a:r>
+          </a:p>
+          <a:p>
+            <a:r>
+              <a:rPr lang="en-US" altLang="zh-TW" sz="2400" dirty="0" smtClean="0"/>
+              <a:t>There are 2 errors in LVS verification</a:t>
+            </a:r>
+          </a:p>
+          <a:p>
+            <a:pPr lvl="1"/>
+            <a:r>
+              <a:rPr lang="en-US" altLang="zh-TW" dirty="0" smtClean="0"/>
+              <a:t>Two short nets are detected.</a:t>
+            </a:r>
+          </a:p>
+          <a:p>
+            <a:r>
+              <a:rPr lang="en-US" altLang="zh-TW" sz="2400" dirty="0" smtClean="0"/>
+              <a:t>However, our post layout simulation</a:t>
+            </a:r>
+            <a:endParaRPr lang="en-US" altLang="zh-TW" sz="2400" dirty="0"/>
+          </a:p>
+          <a:p>
+            <a:pPr marL="0" indent="0">
+              <a:buNone/>
+            </a:pPr>
+            <a:r>
+              <a:rPr lang="en-US" altLang="zh-TW" sz="2400" dirty="0"/>
+              <a:t> </a:t>
+            </a:r>
+            <a:r>
+              <a:rPr lang="en-US" altLang="zh-TW" sz="2400" dirty="0" smtClean="0"/>
+              <a:t>  have passed (strange…).</a:t>
+            </a:r>
+            <a:endParaRPr lang="en-US" altLang="zh-TW" sz="2400" dirty="0" smtClean="0"/>
+          </a:p>
+        </p:txBody>
+      </p:sp>
+      <p:pic>
+        <p:nvPicPr>
+          <p:cNvPr id="4" name="圖片 3"/>
+          <p:cNvPicPr>
+            <a:picLocks noChangeAspect="1"/>
+          </p:cNvPicPr>
+          <p:nvPr/>
+        </p:nvPicPr>
+        <p:blipFill>
+          <a:blip r:embed="rId3"/>
+          <a:stretch>
+            <a:fillRect/>
+          </a:stretch>
+        </p:blipFill>
+        <p:spPr>
+          <a:xfrm>
+            <a:off x="6493396" y="891251"/>
+            <a:ext cx="5347017" cy="5671595"/>
+          </a:xfrm>
+          <a:prstGeom prst="rect">
+            <a:avLst/>
+          </a:prstGeom>
+        </p:spPr>
+      </p:pic>
     </p:spTree>
     <p:extLst>
       <p:ext uri="{BB962C8B-B14F-4D97-AF65-F5344CB8AC3E}">
@@ -4511,6 +7530,16 @@
   <p:clrMapOvr>
     <a:overrideClrMapping bg1="lt1" tx1="dk1" bg2="lt2" tx2="dk2" accent1="accent1" accent2="accent2" accent3="accent3" accent4="accent4" accent5="accent5" accent6="accent6" hlink="hlink" folHlink="folHlink"/>
   </p:clrMapOvr>
+  <p:transition spd="slow">
+    <p:push dir="u"/>
+  </p:transition>
+  <p:timing>
+    <p:tnLst>
+      <p:par>
+        <p:cTn id="1" dur="indefinite" restart="never" nodeType="tmRoot"/>
+      </p:par>
+    </p:tnLst>
+  </p:timing>
 </p:sld>
 </file>
 
@@ -4576,6 +7605,9 @@
   <p:clrMapOvr>
     <a:overrideClrMapping bg1="lt1" tx1="dk1" bg2="lt2" tx2="dk2" accent1="accent1" accent2="accent2" accent3="accent3" accent4="accent4" accent5="accent5" accent6="accent6" hlink="hlink" folHlink="folHlink"/>
   </p:clrMapOvr>
+  <p:transition spd="slow">
+    <p:push dir="u"/>
+  </p:transition>
   <p:timing>
     <p:tnLst>
       <p:par>
@@ -4587,6 +7619,267 @@
 </file>
 
 <file path=ppt/theme/theme1.xml><?xml version="1.0" encoding="utf-8"?>
+<a:theme xmlns:a="http://schemas.openxmlformats.org/drawingml/2006/main" name="Office 佈景主題">
+  <a:themeElements>
+    <a:clrScheme name="Office">
+      <a:dk1>
+        <a:sysClr val="windowText" lastClr="000000"/>
+      </a:dk1>
+      <a:lt1>
+        <a:sysClr val="window" lastClr="FFFFFF"/>
+      </a:lt1>
+      <a:dk2>
+        <a:srgbClr val="44546A"/>
+      </a:dk2>
+      <a:lt2>
+        <a:srgbClr val="E7E6E6"/>
+      </a:lt2>
+      <a:accent1>
+        <a:srgbClr val="5B9BD5"/>
+      </a:accent1>
+      <a:accent2>
+        <a:srgbClr val="ED7D31"/>
+      </a:accent2>
+      <a:accent3>
+        <a:srgbClr val="A5A5A5"/>
+      </a:accent3>
+      <a:accent4>
+        <a:srgbClr val="FFC000"/>
+      </a:accent4>
+      <a:accent5>
+        <a:srgbClr val="4472C4"/>
+      </a:accent5>
+      <a:accent6>
+        <a:srgbClr val="70AD47"/>
+      </a:accent6>
+      <a:hlink>
+        <a:srgbClr val="0563C1"/>
+      </a:hlink>
+      <a:folHlink>
+        <a:srgbClr val="954F72"/>
+      </a:folHlink>
+    </a:clrScheme>
+    <a:fontScheme name="Office">
+      <a:majorFont>
+        <a:latin typeface="Calibri Light" panose="020F0302020204030204"/>
+        <a:ea typeface=""/>
+        <a:cs typeface=""/>
+        <a:font script="Jpan" typeface="游ゴシック Light"/>
+        <a:font script="Hang" typeface="맑은 고딕"/>
+        <a:font script="Hans" typeface="等线 Light"/>
+        <a:font script="Hant" typeface="新細明體"/>
+        <a:font script="Arab" typeface="Times New Roman"/>
+        <a:font script="Hebr" typeface="Times New Roman"/>
+        <a:font script="Thai" typeface="Angsana New"/>
+        <a:font script="Ethi" typeface="Nyala"/>
+        <a:font script="Beng" typeface="Vrinda"/>
+        <a:font script="Gujr" typeface="Shruti"/>
+        <a:font script="Khmr" typeface="MoolBoran"/>
+        <a:font script="Knda" typeface="Tunga"/>
+        <a:font script="Guru" typeface="Raavi"/>
+        <a:font script="Cans" typeface="Euphemia"/>
+        <a:font script="Cher" typeface="Plantagenet Cherokee"/>
+        <a:font script="Yiii" typeface="Microsoft Yi Baiti"/>
+        <a:font script="Tibt" typeface="Microsoft Himalaya"/>
+        <a:font script="Thaa" typeface="MV Boli"/>
+        <a:font script="Deva" typeface="Mangal"/>
+        <a:font script="Telu" typeface="Gautami"/>
+        <a:font script="Taml" typeface="Latha"/>
+        <a:font script="Syrc" typeface="Estrangelo Edessa"/>
+        <a:font script="Orya" typeface="Kalinga"/>
+        <a:font script="Mlym" typeface="Kartika"/>
+        <a:font script="Laoo" typeface="DokChampa"/>
+        <a:font script="Sinh" typeface="Iskoola Pota"/>
+        <a:font script="Mong" typeface="Mongolian Baiti"/>
+        <a:font script="Viet" typeface="Times New Roman"/>
+        <a:font script="Uigh" typeface="Microsoft Uighur"/>
+        <a:font script="Geor" typeface="Sylfaen"/>
+      </a:majorFont>
+      <a:minorFont>
+        <a:latin typeface="Calibri" panose="020F0502020204030204"/>
+        <a:ea typeface=""/>
+        <a:cs typeface=""/>
+        <a:font script="Jpan" typeface="游ゴシック"/>
+        <a:font script="Hang" typeface="맑은 고딕"/>
+        <a:font script="Hans" typeface="等线"/>
+        <a:font script="Hant" typeface="新細明體"/>
+        <a:font script="Arab" typeface="Arial"/>
+        <a:font script="Hebr" typeface="Arial"/>
+        <a:font script="Thai" typeface="Cordia New"/>
+        <a:font script="Ethi" typeface="Nyala"/>
+        <a:font script="Beng" typeface="Vrinda"/>
+        <a:font script="Gujr" typeface="Shruti"/>
+        <a:font script="Khmr" typeface="DaunPenh"/>
+        <a:font script="Knda" typeface="Tunga"/>
+        <a:font script="Guru" typeface="Raavi"/>
+        <a:font script="Cans" typeface="Euphemia"/>
+        <a:font script="Cher" typeface="Plantagenet Cherokee"/>
+        <a:font script="Yiii" typeface="Microsoft Yi Baiti"/>
+        <a:font script="Tibt" typeface="Microsoft Himalaya"/>
+        <a:font script="Thaa" typeface="MV Boli"/>
+        <a:font script="Deva" typeface="Mangal"/>
+        <a:font script="Telu" typeface="Gautami"/>
+        <a:font script="Taml" typeface="Latha"/>
+        <a:font script="Syrc" typeface="Estrangelo Edessa"/>
+        <a:font script="Orya" typeface="Kalinga"/>
+        <a:font script="Mlym" typeface="Kartika"/>
+        <a:font script="Laoo" typeface="DokChampa"/>
+        <a:font script="Sinh" typeface="Iskoola Pota"/>
+        <a:font script="Mong" typeface="Mongolian Baiti"/>
+        <a:font script="Viet" typeface="Arial"/>
+        <a:font script="Uigh" typeface="Microsoft Uighur"/>
+        <a:font script="Geor" typeface="Sylfaen"/>
+      </a:minorFont>
+    </a:fontScheme>
+    <a:fmtScheme name="Office">
+      <a:fillStyleLst>
+        <a:solidFill>
+          <a:schemeClr val="phClr"/>
+        </a:solidFill>
+        <a:gradFill rotWithShape="1">
+          <a:gsLst>
+            <a:gs pos="0">
+              <a:schemeClr val="phClr">
+                <a:lumMod val="110000"/>
+                <a:satMod val="105000"/>
+                <a:tint val="67000"/>
+              </a:schemeClr>
+            </a:gs>
+            <a:gs pos="50000">
+              <a:schemeClr val="phClr">
+                <a:lumMod val="105000"/>
+                <a:satMod val="103000"/>
+                <a:tint val="73000"/>
+              </a:schemeClr>
+            </a:gs>
+            <a:gs pos="100000">
+              <a:schemeClr val="phClr">
+                <a:lumMod val="105000"/>
+                <a:satMod val="109000"/>
+                <a:tint val="81000"/>
+              </a:schemeClr>
+            </a:gs>
+          </a:gsLst>
+          <a:lin ang="5400000" scaled="0"/>
+        </a:gradFill>
+        <a:gradFill rotWithShape="1">
+          <a:gsLst>
+            <a:gs pos="0">
+              <a:schemeClr val="phClr">
+                <a:satMod val="103000"/>
+                <a:lumMod val="102000"/>
+                <a:tint val="94000"/>
+              </a:schemeClr>
+            </a:gs>
+            <a:gs pos="50000">
+              <a:schemeClr val="phClr">
+                <a:satMod val="110000"/>
+                <a:lumMod val="100000"/>
+                <a:shade val="100000"/>
+              </a:schemeClr>
+            </a:gs>
+            <a:gs pos="100000">
+              <a:schemeClr val="phClr">
+                <a:lumMod val="99000"/>
+                <a:satMod val="120000"/>
+                <a:shade val="78000"/>
+              </a:schemeClr>
+            </a:gs>
+          </a:gsLst>
+          <a:lin ang="5400000" scaled="0"/>
+        </a:gradFill>
+      </a:fillStyleLst>
+      <a:lnStyleLst>
+        <a:ln w="6350" cap="flat" cmpd="sng" algn="ctr">
+          <a:solidFill>
+            <a:schemeClr val="phClr"/>
+          </a:solidFill>
+          <a:prstDash val="solid"/>
+          <a:miter lim="800000"/>
+        </a:ln>
+        <a:ln w="12700" cap="flat" cmpd="sng" algn="ctr">
+          <a:solidFill>
+            <a:schemeClr val="phClr"/>
+          </a:solidFill>
+          <a:prstDash val="solid"/>
+          <a:miter lim="800000"/>
+        </a:ln>
+        <a:ln w="19050" cap="flat" cmpd="sng" algn="ctr">
+          <a:solidFill>
+            <a:schemeClr val="phClr"/>
+          </a:solidFill>
+          <a:prstDash val="solid"/>
+          <a:miter lim="800000"/>
+        </a:ln>
+      </a:lnStyleLst>
+      <a:effectStyleLst>
+        <a:effectStyle>
+          <a:effectLst/>
+        </a:effectStyle>
+        <a:effectStyle>
+          <a:effectLst/>
+        </a:effectStyle>
+        <a:effectStyle>
+          <a:effectLst>
+            <a:outerShdw blurRad="57150" dist="19050" dir="5400000" algn="ctr" rotWithShape="0">
+              <a:srgbClr val="000000">
+                <a:alpha val="63000"/>
+              </a:srgbClr>
+            </a:outerShdw>
+          </a:effectLst>
+        </a:effectStyle>
+      </a:effectStyleLst>
+      <a:bgFillStyleLst>
+        <a:solidFill>
+          <a:schemeClr val="phClr"/>
+        </a:solidFill>
+        <a:solidFill>
+          <a:schemeClr val="phClr">
+            <a:tint val="95000"/>
+            <a:satMod val="170000"/>
+          </a:schemeClr>
+        </a:solidFill>
+        <a:gradFill rotWithShape="1">
+          <a:gsLst>
+            <a:gs pos="0">
+              <a:schemeClr val="phClr">
+                <a:tint val="93000"/>
+                <a:satMod val="150000"/>
+                <a:shade val="98000"/>
+                <a:lumMod val="102000"/>
+              </a:schemeClr>
+            </a:gs>
+            <a:gs pos="50000">
+              <a:schemeClr val="phClr">
+                <a:tint val="98000"/>
+                <a:satMod val="130000"/>
+                <a:shade val="90000"/>
+                <a:lumMod val="103000"/>
+              </a:schemeClr>
+            </a:gs>
+            <a:gs pos="100000">
+              <a:schemeClr val="phClr">
+                <a:shade val="63000"/>
+                <a:satMod val="120000"/>
+              </a:schemeClr>
+            </a:gs>
+          </a:gsLst>
+          <a:lin ang="5400000" scaled="0"/>
+        </a:gradFill>
+      </a:bgFillStyleLst>
+    </a:fmtScheme>
+  </a:themeElements>
+  <a:objectDefaults/>
+  <a:extraClrSchemeLst/>
+  <a:extLst>
+    <a:ext uri="{05A4C25C-085E-4340-85A3-A5531E510DB2}">
+      <thm15:themeFamily xmlns:thm15="http://schemas.microsoft.com/office/thememl/2012/main" name="Office Theme" id="{62F939B6-93AF-4DB8-9C6B-D6C7DFDC589F}" vid="{4A3C46E8-61CC-4603-A589-7422A47A8E4A}"/>
+    </a:ext>
+  </a:extLst>
+</a:theme>
+</file>
+
+<file path=ppt/theme/theme2.xml><?xml version="1.0" encoding="utf-8"?>
 <a:theme xmlns:a="http://schemas.openxmlformats.org/drawingml/2006/main" name="Office 佈景主題">
   <a:themeElements>
     <a:clrScheme name="Office">
